--- a/diapos.pptx
+++ b/diapos.pptx
@@ -6,7 +6,7 @@
     <p:sldMasterId id="2147483739" r:id="rId2"/>
   </p:sldMasterIdLst>
   <p:notesMasterIdLst>
-    <p:notesMasterId r:id="rId17"/>
+    <p:notesMasterId r:id="rId20"/>
   </p:notesMasterIdLst>
   <p:sldIdLst>
     <p:sldId id="263" r:id="rId3"/>
@@ -21,8 +21,11 @@
     <p:sldId id="262" r:id="rId12"/>
     <p:sldId id="264" r:id="rId13"/>
     <p:sldId id="268" r:id="rId14"/>
-    <p:sldId id="266" r:id="rId15"/>
-    <p:sldId id="267" r:id="rId16"/>
+    <p:sldId id="272" r:id="rId15"/>
+    <p:sldId id="266" r:id="rId16"/>
+    <p:sldId id="267" r:id="rId17"/>
+    <p:sldId id="270" r:id="rId18"/>
+    <p:sldId id="271" r:id="rId19"/>
   </p:sldIdLst>
   <p:sldSz cx="12192000" cy="6858000"/>
   <p:notesSz cx="6858000" cy="9144000"/>
@@ -129,6 +132,223 @@
 </p:presentation>
 </file>
 
+<file path=ppt/revisionInfo.xml><?xml version="1.0" encoding="utf-8"?>
+<p1510:revInfo xmlns:a="http://schemas.openxmlformats.org/drawingml/2006/main" xmlns:r="http://schemas.openxmlformats.org/officeDocument/2006/relationships" xmlns:p1510="http://schemas.microsoft.com/office/powerpoint/2015/10/main">
+  <p1510:revLst>
+    <p1510:client id="{EAA40377-CF00-21B5-6932-070248F82F81}" v="12" dt="2019-02-25T18:39:57.930"/>
+  </p1510:revLst>
+</p1510:revInfo>
+</file>
+
+<file path=ppt/changesInfos/changesInfo1.xml><?xml version="1.0" encoding="utf-8"?>
+<pc:chgInfo xmlns:a="http://schemas.openxmlformats.org/drawingml/2006/main" xmlns:r="http://schemas.openxmlformats.org/officeDocument/2006/relationships" xmlns:ac="http://schemas.microsoft.com/office/drawing/2013/main/command" xmlns:pc="http://schemas.microsoft.com/office/powerpoint/2013/main/command">
+  <pc:docChgLst>
+    <pc:chgData name="Ibrahima DIALLO" userId="S::ibrahima.diallo2@etu.univ-st-etienne.fr::d4e31dcd-11ed-4e2f-a5db-575be65b9b19" providerId="AD" clId="Web-{EAA40377-CF00-21B5-6932-070248F82F81}"/>
+    <pc:docChg chg="addSld modSld">
+      <pc:chgData name="Ibrahima DIALLO" userId="S::ibrahima.diallo2@etu.univ-st-etienne.fr::d4e31dcd-11ed-4e2f-a5db-575be65b9b19" providerId="AD" clId="Web-{EAA40377-CF00-21B5-6932-070248F82F81}" dt="2019-02-25T18:41:14.740" v="4071" actId="14100"/>
+      <pc:docMkLst>
+        <pc:docMk/>
+      </pc:docMkLst>
+      <pc:sldChg chg="modSp">
+        <pc:chgData name="Ibrahima DIALLO" userId="S::ibrahima.diallo2@etu.univ-st-etienne.fr::d4e31dcd-11ed-4e2f-a5db-575be65b9b19" providerId="AD" clId="Web-{EAA40377-CF00-21B5-6932-070248F82F81}" dt="2019-02-25T17:23:26.610" v="60" actId="20577"/>
+        <pc:sldMkLst>
+          <pc:docMk/>
+          <pc:sldMk cId="3819308541" sldId="266"/>
+        </pc:sldMkLst>
+        <pc:spChg chg="mod">
+          <ac:chgData name="Ibrahima DIALLO" userId="S::ibrahima.diallo2@etu.univ-st-etienne.fr::d4e31dcd-11ed-4e2f-a5db-575be65b9b19" providerId="AD" clId="Web-{EAA40377-CF00-21B5-6932-070248F82F81}" dt="2019-02-25T17:23:26.610" v="60" actId="20577"/>
+          <ac:spMkLst>
+            <pc:docMk/>
+            <pc:sldMk cId="3819308541" sldId="266"/>
+            <ac:spMk id="2" creationId="{00000000-0000-0000-0000-000000000000}"/>
+          </ac:spMkLst>
+        </pc:spChg>
+      </pc:sldChg>
+      <pc:sldChg chg="addSp delSp modSp">
+        <pc:chgData name="Ibrahima DIALLO" userId="S::ibrahima.diallo2@etu.univ-st-etienne.fr::d4e31dcd-11ed-4e2f-a5db-575be65b9b19" providerId="AD" clId="Web-{EAA40377-CF00-21B5-6932-070248F82F81}" dt="2019-02-25T17:52:22.190" v="1898"/>
+        <pc:sldMkLst>
+          <pc:docMk/>
+          <pc:sldMk cId="2408509637" sldId="267"/>
+        </pc:sldMkLst>
+        <pc:spChg chg="del mod">
+          <ac:chgData name="Ibrahima DIALLO" userId="S::ibrahima.diallo2@etu.univ-st-etienne.fr::d4e31dcd-11ed-4e2f-a5db-575be65b9b19" providerId="AD" clId="Web-{EAA40377-CF00-21B5-6932-070248F82F81}" dt="2019-02-25T17:52:18.331" v="1897"/>
+          <ac:spMkLst>
+            <pc:docMk/>
+            <pc:sldMk cId="2408509637" sldId="267"/>
+            <ac:spMk id="4" creationId="{145CA327-20E6-4148-805B-D5FAC834A12F}"/>
+          </ac:spMkLst>
+        </pc:spChg>
+        <pc:spChg chg="add del mod">
+          <ac:chgData name="Ibrahima DIALLO" userId="S::ibrahima.diallo2@etu.univ-st-etienne.fr::d4e31dcd-11ed-4e2f-a5db-575be65b9b19" providerId="AD" clId="Web-{EAA40377-CF00-21B5-6932-070248F82F81}" dt="2019-02-25T17:52:22.190" v="1898"/>
+          <ac:spMkLst>
+            <pc:docMk/>
+            <pc:sldMk cId="2408509637" sldId="267"/>
+            <ac:spMk id="6" creationId="{CE50FC1A-F95D-41C4-AA74-E0EC31756CD6}"/>
+          </ac:spMkLst>
+        </pc:spChg>
+      </pc:sldChg>
+      <pc:sldChg chg="addSp delSp modSp new">
+        <pc:chgData name="Ibrahima DIALLO" userId="S::ibrahima.diallo2@etu.univ-st-etienne.fr::d4e31dcd-11ed-4e2f-a5db-575be65b9b19" providerId="AD" clId="Web-{EAA40377-CF00-21B5-6932-070248F82F81}" dt="2019-02-25T18:21:47.192" v="3546" actId="1076"/>
+        <pc:sldMkLst>
+          <pc:docMk/>
+          <pc:sldMk cId="3247768502" sldId="270"/>
+        </pc:sldMkLst>
+        <pc:spChg chg="del mod">
+          <ac:chgData name="Ibrahima DIALLO" userId="S::ibrahima.diallo2@etu.univ-st-etienne.fr::d4e31dcd-11ed-4e2f-a5db-575be65b9b19" providerId="AD" clId="Web-{EAA40377-CF00-21B5-6932-070248F82F81}" dt="2019-02-25T17:20:16.756" v="9"/>
+          <ac:spMkLst>
+            <pc:docMk/>
+            <pc:sldMk cId="3247768502" sldId="270"/>
+            <ac:spMk id="2" creationId="{046F1CC9-814C-4F65-AB13-FAE56A4C8FED}"/>
+          </ac:spMkLst>
+        </pc:spChg>
+        <pc:spChg chg="del mod">
+          <ac:chgData name="Ibrahima DIALLO" userId="S::ibrahima.diallo2@etu.univ-st-etienne.fr::d4e31dcd-11ed-4e2f-a5db-575be65b9b19" providerId="AD" clId="Web-{EAA40377-CF00-21B5-6932-070248F82F81}" dt="2019-02-25T17:24:11.140" v="67"/>
+          <ac:spMkLst>
+            <pc:docMk/>
+            <pc:sldMk cId="3247768502" sldId="270"/>
+            <ac:spMk id="3" creationId="{CD564179-E996-4FD7-BEE3-3B0D8DCB05AF}"/>
+          </ac:spMkLst>
+        </pc:spChg>
+        <pc:spChg chg="add del mod">
+          <ac:chgData name="Ibrahima DIALLO" userId="S::ibrahima.diallo2@etu.univ-st-etienne.fr::d4e31dcd-11ed-4e2f-a5db-575be65b9b19" providerId="AD" clId="Web-{EAA40377-CF00-21B5-6932-070248F82F81}" dt="2019-02-25T17:20:28.583" v="10"/>
+          <ac:spMkLst>
+            <pc:docMk/>
+            <pc:sldMk cId="3247768502" sldId="270"/>
+            <ac:spMk id="6" creationId="{56CA1D31-4635-4027-B9E2-9F30D26D8E1D}"/>
+          </ac:spMkLst>
+        </pc:spChg>
+        <pc:spChg chg="add mod">
+          <ac:chgData name="Ibrahima DIALLO" userId="S::ibrahima.diallo2@etu.univ-st-etienne.fr::d4e31dcd-11ed-4e2f-a5db-575be65b9b19" providerId="AD" clId="Web-{EAA40377-CF00-21B5-6932-070248F82F81}" dt="2019-02-25T17:20:35.223" v="14" actId="20577"/>
+          <ac:spMkLst>
+            <pc:docMk/>
+            <pc:sldMk cId="3247768502" sldId="270"/>
+            <ac:spMk id="8" creationId="{C4976C23-4728-4B30-A9B4-E13D1CBF71D4}"/>
+          </ac:spMkLst>
+        </pc:spChg>
+        <pc:spChg chg="add del mod">
+          <ac:chgData name="Ibrahima DIALLO" userId="S::ibrahima.diallo2@etu.univ-st-etienne.fr::d4e31dcd-11ed-4e2f-a5db-575be65b9b19" providerId="AD" clId="Web-{EAA40377-CF00-21B5-6932-070248F82F81}" dt="2019-02-25T17:24:08.171" v="66"/>
+          <ac:spMkLst>
+            <pc:docMk/>
+            <pc:sldMk cId="3247768502" sldId="270"/>
+            <ac:spMk id="9" creationId="{75140DEC-E715-4E75-A75B-64DCD190289C}"/>
+          </ac:spMkLst>
+        </pc:spChg>
+        <pc:spChg chg="add mod">
+          <ac:chgData name="Ibrahima DIALLO" userId="S::ibrahima.diallo2@etu.univ-st-etienne.fr::d4e31dcd-11ed-4e2f-a5db-575be65b9b19" providerId="AD" clId="Web-{EAA40377-CF00-21B5-6932-070248F82F81}" dt="2019-02-25T18:21:47.192" v="3546" actId="1076"/>
+          <ac:spMkLst>
+            <pc:docMk/>
+            <pc:sldMk cId="3247768502" sldId="270"/>
+            <ac:spMk id="11" creationId="{2F09E7A7-4BCC-4116-8D52-3760FB1DE652}"/>
+          </ac:spMkLst>
+        </pc:spChg>
+      </pc:sldChg>
+      <pc:sldChg chg="modSp add replId">
+        <pc:chgData name="Ibrahima DIALLO" userId="S::ibrahima.diallo2@etu.univ-st-etienne.fr::d4e31dcd-11ed-4e2f-a5db-575be65b9b19" providerId="AD" clId="Web-{EAA40377-CF00-21B5-6932-070248F82F81}" dt="2019-02-25T18:21:22.208" v="3545" actId="1076"/>
+        <pc:sldMkLst>
+          <pc:docMk/>
+          <pc:sldMk cId="4145661839" sldId="271"/>
+        </pc:sldMkLst>
+        <pc:spChg chg="mod">
+          <ac:chgData name="Ibrahima DIALLO" userId="S::ibrahima.diallo2@etu.univ-st-etienne.fr::d4e31dcd-11ed-4e2f-a5db-575be65b9b19" providerId="AD" clId="Web-{EAA40377-CF00-21B5-6932-070248F82F81}" dt="2019-02-25T17:52:50.361" v="1902" actId="20577"/>
+          <ac:spMkLst>
+            <pc:docMk/>
+            <pc:sldMk cId="4145661839" sldId="271"/>
+            <ac:spMk id="8" creationId="{C4976C23-4728-4B30-A9B4-E13D1CBF71D4}"/>
+          </ac:spMkLst>
+        </pc:spChg>
+        <pc:spChg chg="mod">
+          <ac:chgData name="Ibrahima DIALLO" userId="S::ibrahima.diallo2@etu.univ-st-etienne.fr::d4e31dcd-11ed-4e2f-a5db-575be65b9b19" providerId="AD" clId="Web-{EAA40377-CF00-21B5-6932-070248F82F81}" dt="2019-02-25T18:21:22.208" v="3545" actId="1076"/>
+          <ac:spMkLst>
+            <pc:docMk/>
+            <pc:sldMk cId="4145661839" sldId="271"/>
+            <ac:spMk id="11" creationId="{2F09E7A7-4BCC-4116-8D52-3760FB1DE652}"/>
+          </ac:spMkLst>
+        </pc:spChg>
+      </pc:sldChg>
+      <pc:sldChg chg="addSp delSp modSp add replId">
+        <pc:chgData name="Ibrahima DIALLO" userId="S::ibrahima.diallo2@etu.univ-st-etienne.fr::d4e31dcd-11ed-4e2f-a5db-575be65b9b19" providerId="AD" clId="Web-{EAA40377-CF00-21B5-6932-070248F82F81}" dt="2019-02-25T18:41:14.740" v="4071" actId="14100"/>
+        <pc:sldMkLst>
+          <pc:docMk/>
+          <pc:sldMk cId="547619900" sldId="272"/>
+        </pc:sldMkLst>
+        <pc:spChg chg="mod">
+          <ac:chgData name="Ibrahima DIALLO" userId="S::ibrahima.diallo2@etu.univ-st-etienne.fr::d4e31dcd-11ed-4e2f-a5db-575be65b9b19" providerId="AD" clId="Web-{EAA40377-CF00-21B5-6932-070248F82F81}" dt="2019-02-25T18:24:31.266" v="3604" actId="20577"/>
+          <ac:spMkLst>
+            <pc:docMk/>
+            <pc:sldMk cId="547619900" sldId="272"/>
+            <ac:spMk id="4" creationId="{145CA327-20E6-4148-805B-D5FAC834A12F}"/>
+          </ac:spMkLst>
+        </pc:spChg>
+        <pc:spChg chg="del">
+          <ac:chgData name="Ibrahima DIALLO" userId="S::ibrahima.diallo2@etu.univ-st-etienne.fr::d4e31dcd-11ed-4e2f-a5db-575be65b9b19" providerId="AD" clId="Web-{EAA40377-CF00-21B5-6932-070248F82F81}" dt="2019-02-25T18:33:27.315" v="3850"/>
+          <ac:spMkLst>
+            <pc:docMk/>
+            <pc:sldMk cId="547619900" sldId="272"/>
+            <ac:spMk id="5" creationId="{51F4CF15-97DD-4BDF-846B-99EAE994E9D2}"/>
+          </ac:spMkLst>
+        </pc:spChg>
+        <pc:spChg chg="add mod">
+          <ac:chgData name="Ibrahima DIALLO" userId="S::ibrahima.diallo2@etu.univ-st-etienne.fr::d4e31dcd-11ed-4e2f-a5db-575be65b9b19" providerId="AD" clId="Web-{EAA40377-CF00-21B5-6932-070248F82F81}" dt="2019-02-25T18:41:14.740" v="4071" actId="14100"/>
+          <ac:spMkLst>
+            <pc:docMk/>
+            <pc:sldMk cId="547619900" sldId="272"/>
+            <ac:spMk id="7" creationId="{09D611C4-88BD-4903-9460-0115249F702C}"/>
+          </ac:spMkLst>
+        </pc:spChg>
+        <pc:spChg chg="del mod">
+          <ac:chgData name="Ibrahima DIALLO" userId="S::ibrahima.diallo2@etu.univ-st-etienne.fr::d4e31dcd-11ed-4e2f-a5db-575be65b9b19" providerId="AD" clId="Web-{EAA40377-CF00-21B5-6932-070248F82F81}" dt="2019-02-25T18:27:53.667" v="3610"/>
+          <ac:spMkLst>
+            <pc:docMk/>
+            <pc:sldMk cId="547619900" sldId="272"/>
+            <ac:spMk id="9" creationId="{DE538DAE-F683-45FD-960D-BC7ABCB8FD2D}"/>
+          </ac:spMkLst>
+        </pc:spChg>
+        <pc:spChg chg="del">
+          <ac:chgData name="Ibrahima DIALLO" userId="S::ibrahima.diallo2@etu.univ-st-etienne.fr::d4e31dcd-11ed-4e2f-a5db-575be65b9b19" providerId="AD" clId="Web-{EAA40377-CF00-21B5-6932-070248F82F81}" dt="2019-02-25T18:27:55.761" v="3611"/>
+          <ac:spMkLst>
+            <pc:docMk/>
+            <pc:sldMk cId="547619900" sldId="272"/>
+            <ac:spMk id="13" creationId="{C58FE305-EF1F-47D2-8352-00D254C10ECA}"/>
+          </ac:spMkLst>
+        </pc:spChg>
+        <pc:spChg chg="mod">
+          <ac:chgData name="Ibrahima DIALLO" userId="S::ibrahima.diallo2@etu.univ-st-etienne.fr::d4e31dcd-11ed-4e2f-a5db-575be65b9b19" providerId="AD" clId="Web-{EAA40377-CF00-21B5-6932-070248F82F81}" dt="2019-02-25T18:40:10.054" v="4051" actId="1076"/>
+          <ac:spMkLst>
+            <pc:docMk/>
+            <pc:sldMk cId="547619900" sldId="272"/>
+            <ac:spMk id="15" creationId="{73D9B683-1D56-4859-8B36-C719B76429FB}"/>
+          </ac:spMkLst>
+        </pc:spChg>
+        <pc:picChg chg="add mod">
+          <ac:chgData name="Ibrahima DIALLO" userId="S::ibrahima.diallo2@etu.univ-st-etienne.fr::d4e31dcd-11ed-4e2f-a5db-575be65b9b19" providerId="AD" clId="Web-{EAA40377-CF00-21B5-6932-070248F82F81}" dt="2019-02-25T18:23:55.876" v="3595" actId="1076"/>
+          <ac:picMkLst>
+            <pc:docMk/>
+            <pc:sldMk cId="547619900" sldId="272"/>
+            <ac:picMk id="2" creationId="{2CE2F802-2618-462C-A98B-936F84CD2A2B}"/>
+          </ac:picMkLst>
+        </pc:picChg>
+        <pc:picChg chg="del">
+          <ac:chgData name="Ibrahima DIALLO" userId="S::ibrahima.diallo2@etu.univ-st-etienne.fr::d4e31dcd-11ed-4e2f-a5db-575be65b9b19" providerId="AD" clId="Web-{EAA40377-CF00-21B5-6932-070248F82F81}" dt="2019-02-25T18:22:49.815" v="3591"/>
+          <ac:picMkLst>
+            <pc:docMk/>
+            <pc:sldMk cId="547619900" sldId="272"/>
+            <ac:picMk id="3" creationId="{3243C061-3FB3-4B22-9652-3098516E6E65}"/>
+          </ac:picMkLst>
+        </pc:picChg>
+        <pc:picChg chg="add mod">
+          <ac:chgData name="Ibrahima DIALLO" userId="S::ibrahima.diallo2@etu.univ-st-etienne.fr::d4e31dcd-11ed-4e2f-a5db-575be65b9b19" providerId="AD" clId="Web-{EAA40377-CF00-21B5-6932-070248F82F81}" dt="2019-02-25T18:24:06.643" v="3597" actId="1076"/>
+          <ac:picMkLst>
+            <pc:docMk/>
+            <pc:sldMk cId="547619900" sldId="272"/>
+            <ac:picMk id="11" creationId="{ADBD03ED-1F5E-42C8-BFDA-C9A4BD45B2F1}"/>
+          </ac:picMkLst>
+        </pc:picChg>
+      </pc:sldChg>
+    </pc:docChg>
+  </pc:docChgLst>
+</pc:chgInfo>
+</file>
+
 <file path=ppt/notesMasters/notesMaster1.xml><?xml version="1.0" encoding="utf-8"?>
 <p:notesMaster xmlns:a="http://schemas.openxmlformats.org/drawingml/2006/main" xmlns:r="http://schemas.openxmlformats.org/officeDocument/2006/relationships" xmlns:p="http://schemas.openxmlformats.org/presentationml/2006/main">
   <p:cSld>
@@ -211,7 +431,7 @@
           <a:p>
             <a:fld id="{A5C20BB3-3CCB-4FE5-991B-82F6BCB48AF3}" type="datetimeFigureOut">
               <a:rPr lang="en-US" smtClean="0"/>
-              <a:t>2/22/2019</a:t>
+              <a:t>2/25/2019</a:t>
             </a:fld>
             <a:endParaRPr lang="en-US"/>
           </a:p>
@@ -369,7 +589,7 @@
           <a:p>
             <a:fld id="{E0746DE6-3336-457D-A091-FA20AC1C536E}" type="slidenum">
               <a:rPr lang="en-US" smtClean="0"/>
-              <a:t>‹N°›</a:t>
+              <a:t>‹#›</a:t>
             </a:fld>
             <a:endParaRPr lang="en-US"/>
           </a:p>
@@ -819,6 +1039,96 @@
           <a:p>
             <a:fld id="{E0746DE6-3336-457D-A091-FA20AC1C536E}" type="slidenum">
               <a:rPr lang="en-US" smtClean="0"/>
+              <a:t>13</a:t>
+            </a:fld>
+            <a:endParaRPr lang="en-US"/>
+          </a:p>
+        </p:txBody>
+      </p:sp>
+    </p:spTree>
+    <p:extLst>
+      <p:ext uri="{BB962C8B-B14F-4D97-AF65-F5344CB8AC3E}">
+        <p14:creationId xmlns:p14="http://schemas.microsoft.com/office/powerpoint/2010/main" val="1106436985"/>
+      </p:ext>
+    </p:extLst>
+  </p:cSld>
+  <p:clrMapOvr>
+    <a:masterClrMapping/>
+  </p:clrMapOvr>
+</p:notes>
+</file>
+
+<file path=ppt/notesSlides/notesSlide13.xml><?xml version="1.0" encoding="utf-8"?>
+<p:notes xmlns:a="http://schemas.openxmlformats.org/drawingml/2006/main" xmlns:r="http://schemas.openxmlformats.org/officeDocument/2006/relationships" xmlns:p="http://schemas.openxmlformats.org/presentationml/2006/main">
+  <p:cSld>
+    <p:spTree>
+      <p:nvGrpSpPr>
+        <p:cNvPr id="1" name=""/>
+        <p:cNvGrpSpPr/>
+        <p:nvPr/>
+      </p:nvGrpSpPr>
+      <p:grpSpPr>
+        <a:xfrm>
+          <a:off x="0" y="0"/>
+          <a:ext cx="0" cy="0"/>
+          <a:chOff x="0" y="0"/>
+          <a:chExt cx="0" cy="0"/>
+        </a:xfrm>
+      </p:grpSpPr>
+      <p:sp>
+        <p:nvSpPr>
+          <p:cNvPr id="2" name="Slide Image Placeholder 1"/>
+          <p:cNvSpPr>
+            <a:spLocks noGrp="1" noRot="1" noChangeAspect="1"/>
+          </p:cNvSpPr>
+          <p:nvPr>
+            <p:ph type="sldImg"/>
+          </p:nvPr>
+        </p:nvSpPr>
+        <p:spPr/>
+      </p:sp>
+      <p:sp>
+        <p:nvSpPr>
+          <p:cNvPr id="3" name="Notes Placeholder 2"/>
+          <p:cNvSpPr>
+            <a:spLocks noGrp="1"/>
+          </p:cNvSpPr>
+          <p:nvPr>
+            <p:ph type="body" idx="1"/>
+          </p:nvPr>
+        </p:nvSpPr>
+        <p:spPr/>
+        <p:txBody>
+          <a:bodyPr/>
+          <a:lstStyle/>
+          <a:p>
+            <a:r>
+              <a:rPr lang="en-US" dirty="0"/>
+              <a:t>L’Aide au démarrage a créé un plan pour vous aider à commencer votre présentation. Certaines diapositives incluent des informations ici dans les notes pour vous proposer des sujets supplémentaires sur lesquels effectuer des recherches.</a:t>
+            </a:r>
+          </a:p>
+          <a:p>
+            <a:endParaRPr lang="en-US" dirty="0"/>
+          </a:p>
+        </p:txBody>
+      </p:sp>
+      <p:sp>
+        <p:nvSpPr>
+          <p:cNvPr id="4" name="Slide Number Placeholder 3"/>
+          <p:cNvSpPr>
+            <a:spLocks noGrp="1"/>
+          </p:cNvSpPr>
+          <p:nvPr>
+            <p:ph type="sldNum" sz="quarter" idx="10"/>
+          </p:nvPr>
+        </p:nvSpPr>
+        <p:spPr/>
+        <p:txBody>
+          <a:bodyPr/>
+          <a:lstStyle/>
+          <a:p>
+            <a:fld id="{E0746DE6-3336-457D-A091-FA20AC1C536E}" type="slidenum">
+              <a:rPr lang="en-US" smtClean="0"/>
               <a:t>14</a:t>
             </a:fld>
             <a:endParaRPr lang="en-US"/>
@@ -1758,7 +2068,7 @@
           <a:p>
             <a:fld id="{2A220FD0-E7BB-443B-8799-3C27FB98E986}" type="datetime1">
               <a:rPr lang="en-US" smtClean="0"/>
-              <a:t>2/22/2019</a:t>
+              <a:t>2/25/2019</a:t>
             </a:fld>
             <a:endParaRPr lang="en-US"/>
           </a:p>
@@ -1823,7 +2133,7 @@
           <a:p>
             <a:fld id="{475E1560-7126-406C-A531-3A398E8D0EEA}" type="slidenum">
               <a:rPr lang="en-US" smtClean="0"/>
-              <a:t>‹N°›</a:t>
+              <a:t>‹#›</a:t>
             </a:fld>
             <a:endParaRPr lang="en-US"/>
           </a:p>
@@ -1951,7 +2261,7 @@
           <a:p>
             <a:fld id="{70D9E3A0-D617-418C-848E-718F9C3BD4E9}" type="datetime1">
               <a:rPr lang="en-US" smtClean="0"/>
-              <a:t>2/22/2019</a:t>
+              <a:t>2/25/2019</a:t>
             </a:fld>
             <a:endParaRPr lang="en-US"/>
           </a:p>
@@ -1996,7 +2306,7 @@
           <a:p>
             <a:fld id="{475E1560-7126-406C-A531-3A398E8D0EEA}" type="slidenum">
               <a:rPr lang="en-US" smtClean="0"/>
-              <a:t>‹N°›</a:t>
+              <a:t>‹#›</a:t>
             </a:fld>
             <a:endParaRPr lang="en-US"/>
           </a:p>
@@ -2134,7 +2444,7 @@
           <a:p>
             <a:fld id="{CE254F65-AE5C-4FD4-8C8C-8C680627BBDB}" type="datetime1">
               <a:rPr lang="en-US" smtClean="0"/>
-              <a:t>2/22/2019</a:t>
+              <a:t>2/25/2019</a:t>
             </a:fld>
             <a:endParaRPr lang="en-US"/>
           </a:p>
@@ -2179,7 +2489,7 @@
           <a:p>
             <a:fld id="{475E1560-7126-406C-A531-3A398E8D0EEA}" type="slidenum">
               <a:rPr lang="en-US" smtClean="0"/>
-              <a:t>‹N°›</a:t>
+              <a:t>‹#›</a:t>
             </a:fld>
             <a:endParaRPr lang="en-US"/>
           </a:p>
@@ -2373,7 +2683,7 @@
           <a:p>
             <a:fld id="{855FE055-20B1-4C36-BFDA-25097E342923}" type="datetime1">
               <a:rPr lang="en-US" smtClean="0"/>
-              <a:t>2/22/2019</a:t>
+              <a:t>2/25/2019</a:t>
             </a:fld>
             <a:endParaRPr lang="en-US"/>
           </a:p>
@@ -2418,7 +2728,7 @@
           <a:p>
             <a:fld id="{475E1560-7126-406C-A531-3A398E8D0EEA}" type="slidenum">
               <a:rPr lang="en-US" smtClean="0"/>
-              <a:t>‹N°›</a:t>
+              <a:t>‹#›</a:t>
             </a:fld>
             <a:endParaRPr lang="en-US"/>
           </a:p>
@@ -2703,7 +3013,7 @@
           <a:p>
             <a:fld id="{A36A7C4F-29A5-45BD-A6FD-45518307FC40}" type="datetime1">
               <a:rPr lang="en-US" smtClean="0"/>
-              <a:t>2/22/2019</a:t>
+              <a:t>2/25/2019</a:t>
             </a:fld>
             <a:endParaRPr lang="en-US"/>
           </a:p>
@@ -2758,7 +3068,7 @@
           <a:p>
             <a:fld id="{475E1560-7126-406C-A531-3A398E8D0EEA}" type="slidenum">
               <a:rPr lang="en-US" smtClean="0"/>
-              <a:t>‹N°›</a:t>
+              <a:t>‹#›</a:t>
             </a:fld>
             <a:endParaRPr lang="en-US"/>
           </a:p>
@@ -2917,7 +3227,7 @@
           <a:p>
             <a:fld id="{A36A7C4F-29A5-45BD-A6FD-45518307FC40}" type="datetime1">
               <a:rPr lang="en-US" smtClean="0"/>
-              <a:t>2/22/2019</a:t>
+              <a:t>2/25/2019</a:t>
             </a:fld>
             <a:endParaRPr lang="en-US"/>
           </a:p>
@@ -2962,7 +3272,7 @@
           <a:p>
             <a:fld id="{475E1560-7126-406C-A531-3A398E8D0EEA}" type="slidenum">
               <a:rPr lang="en-US" smtClean="0"/>
-              <a:t>‹N°›</a:t>
+              <a:t>‹#›</a:t>
             </a:fld>
             <a:endParaRPr lang="en-US"/>
           </a:p>
@@ -3197,7 +3507,7 @@
           <a:p>
             <a:fld id="{A36A7C4F-29A5-45BD-A6FD-45518307FC40}" type="datetime1">
               <a:rPr lang="en-US" smtClean="0"/>
-              <a:t>2/22/2019</a:t>
+              <a:t>2/25/2019</a:t>
             </a:fld>
             <a:endParaRPr lang="en-US"/>
           </a:p>
@@ -3242,7 +3552,7 @@
           <a:p>
             <a:fld id="{475E1560-7126-406C-A531-3A398E8D0EEA}" type="slidenum">
               <a:rPr lang="en-US" smtClean="0"/>
-              <a:t>‹N°›</a:t>
+              <a:t>‹#›</a:t>
             </a:fld>
             <a:endParaRPr lang="en-US"/>
           </a:p>
@@ -3467,7 +3777,7 @@
           <a:p>
             <a:fld id="{A36A7C4F-29A5-45BD-A6FD-45518307FC40}" type="datetime1">
               <a:rPr lang="en-US" smtClean="0"/>
-              <a:t>2/22/2019</a:t>
+              <a:t>2/25/2019</a:t>
             </a:fld>
             <a:endParaRPr lang="en-US"/>
           </a:p>
@@ -3512,7 +3822,7 @@
           <a:p>
             <a:fld id="{475E1560-7126-406C-A531-3A398E8D0EEA}" type="slidenum">
               <a:rPr lang="en-US" smtClean="0"/>
-              <a:t>‹N°›</a:t>
+              <a:t>‹#›</a:t>
             </a:fld>
             <a:endParaRPr lang="en-US"/>
           </a:p>
@@ -3845,7 +4155,7 @@
           <a:p>
             <a:fld id="{A36A7C4F-29A5-45BD-A6FD-45518307FC40}" type="datetime1">
               <a:rPr lang="en-US" smtClean="0"/>
-              <a:t>2/22/2019</a:t>
+              <a:t>2/25/2019</a:t>
             </a:fld>
             <a:endParaRPr lang="en-US"/>
           </a:p>
@@ -3890,7 +4200,7 @@
           <a:p>
             <a:fld id="{475E1560-7126-406C-A531-3A398E8D0EEA}" type="slidenum">
               <a:rPr lang="en-US" smtClean="0"/>
-              <a:t>‹N°›</a:t>
+              <a:t>‹#›</a:t>
             </a:fld>
             <a:endParaRPr lang="en-US"/>
           </a:p>
@@ -3997,7 +4307,7 @@
           <a:p>
             <a:fld id="{A36A7C4F-29A5-45BD-A6FD-45518307FC40}" type="datetime1">
               <a:rPr lang="en-US" smtClean="0"/>
-              <a:t>2/22/2019</a:t>
+              <a:t>2/25/2019</a:t>
             </a:fld>
             <a:endParaRPr lang="en-US"/>
           </a:p>
@@ -4042,7 +4352,7 @@
           <a:p>
             <a:fld id="{475E1560-7126-406C-A531-3A398E8D0EEA}" type="slidenum">
               <a:rPr lang="en-US" smtClean="0"/>
-              <a:t>‹N°›</a:t>
+              <a:t>‹#›</a:t>
             </a:fld>
             <a:endParaRPr lang="en-US"/>
           </a:p>
@@ -4126,7 +4436,7 @@
           <a:p>
             <a:fld id="{A36A7C4F-29A5-45BD-A6FD-45518307FC40}" type="datetime1">
               <a:rPr lang="en-US" smtClean="0"/>
-              <a:t>2/22/2019</a:t>
+              <a:t>2/25/2019</a:t>
             </a:fld>
             <a:endParaRPr lang="en-US"/>
           </a:p>
@@ -4171,7 +4481,7 @@
           <a:p>
             <a:fld id="{475E1560-7126-406C-A531-3A398E8D0EEA}" type="slidenum">
               <a:rPr lang="en-US" smtClean="0"/>
-              <a:t>‹N°›</a:t>
+              <a:t>‹#›</a:t>
             </a:fld>
             <a:endParaRPr lang="en-US"/>
           </a:p>
@@ -4300,7 +4610,7 @@
           <a:p>
             <a:fld id="{3CD17A36-9FE9-4A30-8CE5-F04BC214A3F4}" type="datetime1">
               <a:rPr lang="en-US" smtClean="0"/>
-              <a:t>2/22/2019</a:t>
+              <a:t>2/25/2019</a:t>
             </a:fld>
             <a:endParaRPr lang="en-US"/>
           </a:p>
@@ -4345,7 +4655,7 @@
           <a:p>
             <a:fld id="{475E1560-7126-406C-A531-3A398E8D0EEA}" type="slidenum">
               <a:rPr lang="en-US" smtClean="0"/>
-              <a:t>‹N°›</a:t>
+              <a:t>‹#›</a:t>
             </a:fld>
             <a:endParaRPr lang="en-US"/>
           </a:p>
@@ -4588,7 +4898,7 @@
           <a:p>
             <a:fld id="{A36A7C4F-29A5-45BD-A6FD-45518307FC40}" type="datetime1">
               <a:rPr lang="en-US" smtClean="0"/>
-              <a:t>2/22/2019</a:t>
+              <a:t>2/25/2019</a:t>
             </a:fld>
             <a:endParaRPr lang="en-US"/>
           </a:p>
@@ -4633,7 +4943,7 @@
           <a:p>
             <a:fld id="{475E1560-7126-406C-A531-3A398E8D0EEA}" type="slidenum">
               <a:rPr lang="en-US" smtClean="0"/>
-              <a:t>‹N°›</a:t>
+              <a:t>‹#›</a:t>
             </a:fld>
             <a:endParaRPr lang="en-US"/>
           </a:p>
@@ -4916,7 +5226,7 @@
           <a:p>
             <a:fld id="{A36A7C4F-29A5-45BD-A6FD-45518307FC40}" type="datetime1">
               <a:rPr lang="en-US" smtClean="0"/>
-              <a:t>2/22/2019</a:t>
+              <a:t>2/25/2019</a:t>
             </a:fld>
             <a:endParaRPr lang="en-US"/>
           </a:p>
@@ -4961,7 +5271,7 @@
           <a:p>
             <a:fld id="{475E1560-7126-406C-A531-3A398E8D0EEA}" type="slidenum">
               <a:rPr lang="en-US" smtClean="0"/>
-              <a:t>‹N°›</a:t>
+              <a:t>‹#›</a:t>
             </a:fld>
             <a:endParaRPr lang="en-US"/>
           </a:p>
@@ -5244,7 +5554,7 @@
           <a:p>
             <a:fld id="{A36A7C4F-29A5-45BD-A6FD-45518307FC40}" type="datetime1">
               <a:rPr lang="en-US" smtClean="0"/>
-              <a:t>2/22/2019</a:t>
+              <a:t>2/25/2019</a:t>
             </a:fld>
             <a:endParaRPr lang="en-US"/>
           </a:p>
@@ -5289,7 +5599,7 @@
           <a:p>
             <a:fld id="{475E1560-7126-406C-A531-3A398E8D0EEA}" type="slidenum">
               <a:rPr lang="en-US" smtClean="0"/>
-              <a:t>‹N°›</a:t>
+              <a:t>‹#›</a:t>
             </a:fld>
             <a:endParaRPr lang="en-US"/>
           </a:p>
@@ -5526,7 +5836,7 @@
           <a:p>
             <a:fld id="{A36A7C4F-29A5-45BD-A6FD-45518307FC40}" type="datetime1">
               <a:rPr lang="en-US" smtClean="0"/>
-              <a:t>2/22/2019</a:t>
+              <a:t>2/25/2019</a:t>
             </a:fld>
             <a:endParaRPr lang="en-US"/>
           </a:p>
@@ -5571,7 +5881,7 @@
           <a:p>
             <a:fld id="{475E1560-7126-406C-A531-3A398E8D0EEA}" type="slidenum">
               <a:rPr lang="en-US" smtClean="0"/>
-              <a:t>‹N°›</a:t>
+              <a:t>‹#›</a:t>
             </a:fld>
             <a:endParaRPr lang="en-US"/>
           </a:p>
@@ -6098,7 +6408,7 @@
           <a:p>
             <a:fld id="{A36A7C4F-29A5-45BD-A6FD-45518307FC40}" type="datetime1">
               <a:rPr lang="en-US" smtClean="0"/>
-              <a:t>2/22/2019</a:t>
+              <a:t>2/25/2019</a:t>
             </a:fld>
             <a:endParaRPr lang="en-US"/>
           </a:p>
@@ -6143,7 +6453,7 @@
           <a:p>
             <a:fld id="{475E1560-7126-406C-A531-3A398E8D0EEA}" type="slidenum">
               <a:rPr lang="en-US" smtClean="0"/>
-              <a:t>‹N°›</a:t>
+              <a:t>‹#›</a:t>
             </a:fld>
             <a:endParaRPr lang="en-US"/>
           </a:p>
@@ -6380,7 +6690,7 @@
           <a:p>
             <a:fld id="{A36A7C4F-29A5-45BD-A6FD-45518307FC40}" type="datetime1">
               <a:rPr lang="en-US" smtClean="0"/>
-              <a:t>2/22/2019</a:t>
+              <a:t>2/25/2019</a:t>
             </a:fld>
             <a:endParaRPr lang="en-US"/>
           </a:p>
@@ -6425,7 +6735,7 @@
           <a:p>
             <a:fld id="{475E1560-7126-406C-A531-3A398E8D0EEA}" type="slidenum">
               <a:rPr lang="en-US" smtClean="0"/>
-              <a:t>‹N°›</a:t>
+              <a:t>‹#›</a:t>
             </a:fld>
             <a:endParaRPr lang="en-US"/>
           </a:p>
@@ -6946,7 +7256,7 @@
           <a:p>
             <a:fld id="{A36A7C4F-29A5-45BD-A6FD-45518307FC40}" type="datetime1">
               <a:rPr lang="en-US" smtClean="0"/>
-              <a:t>2/22/2019</a:t>
+              <a:t>2/25/2019</a:t>
             </a:fld>
             <a:endParaRPr lang="en-US"/>
           </a:p>
@@ -6991,7 +7301,7 @@
           <a:p>
             <a:fld id="{475E1560-7126-406C-A531-3A398E8D0EEA}" type="slidenum">
               <a:rPr lang="en-US" smtClean="0"/>
-              <a:t>‹N°›</a:t>
+              <a:t>‹#›</a:t>
             </a:fld>
             <a:endParaRPr lang="en-US"/>
           </a:p>
@@ -7277,7 +7587,7 @@
           <a:p>
             <a:fld id="{A36A7C4F-29A5-45BD-A6FD-45518307FC40}" type="datetime1">
               <a:rPr lang="en-US" smtClean="0"/>
-              <a:t>2/22/2019</a:t>
+              <a:t>2/25/2019</a:t>
             </a:fld>
             <a:endParaRPr lang="en-US"/>
           </a:p>
@@ -7322,7 +7632,7 @@
           <a:p>
             <a:fld id="{475E1560-7126-406C-A531-3A398E8D0EEA}" type="slidenum">
               <a:rPr lang="en-US" smtClean="0"/>
-              <a:t>‹N°›</a:t>
+              <a:t>‹#›</a:t>
             </a:fld>
             <a:endParaRPr lang="en-US"/>
           </a:p>
@@ -7458,7 +7768,7 @@
           <a:p>
             <a:fld id="{A36A7C4F-29A5-45BD-A6FD-45518307FC40}" type="datetime1">
               <a:rPr lang="en-US" smtClean="0"/>
-              <a:t>2/22/2019</a:t>
+              <a:t>2/25/2019</a:t>
             </a:fld>
             <a:endParaRPr lang="en-US"/>
           </a:p>
@@ -7503,7 +7813,7 @@
           <a:p>
             <a:fld id="{475E1560-7126-406C-A531-3A398E8D0EEA}" type="slidenum">
               <a:rPr lang="en-US" smtClean="0"/>
-              <a:t>‹N°›</a:t>
+              <a:t>‹#›</a:t>
             </a:fld>
             <a:endParaRPr lang="en-US"/>
           </a:p>
@@ -7700,7 +8010,7 @@
           <a:p>
             <a:fld id="{A36A7C4F-29A5-45BD-A6FD-45518307FC40}" type="datetime1">
               <a:rPr lang="en-US" smtClean="0"/>
-              <a:t>2/22/2019</a:t>
+              <a:t>2/25/2019</a:t>
             </a:fld>
             <a:endParaRPr lang="en-US"/>
           </a:p>
@@ -7745,7 +8055,7 @@
           <a:p>
             <a:fld id="{475E1560-7126-406C-A531-3A398E8D0EEA}" type="slidenum">
               <a:rPr lang="en-US" smtClean="0"/>
-              <a:t>‹N°›</a:t>
+              <a:t>‹#›</a:t>
             </a:fld>
             <a:endParaRPr lang="en-US"/>
           </a:p>
@@ -7960,7 +8270,7 @@
           <a:p>
             <a:fld id="{6126E009-2198-40E3-9CC9-1EE4AB996734}" type="datetime1">
               <a:rPr lang="en-US" smtClean="0"/>
-              <a:t>2/22/2019</a:t>
+              <a:t>2/25/2019</a:t>
             </a:fld>
             <a:endParaRPr lang="en-US"/>
           </a:p>
@@ -8005,7 +8315,7 @@
           <a:p>
             <a:fld id="{475E1560-7126-406C-A531-3A398E8D0EEA}" type="slidenum">
               <a:rPr lang="en-US" smtClean="0"/>
-              <a:t>‹N°›</a:t>
+              <a:t>‹#›</a:t>
             </a:fld>
             <a:endParaRPr lang="en-US"/>
           </a:p>
@@ -8199,7 +8509,7 @@
           <a:p>
             <a:fld id="{4B4E45DE-1846-4B08-A97B-6DE639BCCCFF}" type="datetime1">
               <a:rPr lang="en-US" smtClean="0"/>
-              <a:t>2/22/2019</a:t>
+              <a:t>2/25/2019</a:t>
             </a:fld>
             <a:endParaRPr lang="en-US"/>
           </a:p>
@@ -8244,7 +8554,7 @@
           <a:p>
             <a:fld id="{475E1560-7126-406C-A531-3A398E8D0EEA}" type="slidenum">
               <a:rPr lang="en-US" smtClean="0"/>
-              <a:t>‹N°›</a:t>
+              <a:t>‹#›</a:t>
             </a:fld>
             <a:endParaRPr lang="en-US"/>
           </a:p>
@@ -8527,7 +8837,7 @@
           <a:p>
             <a:fld id="{2DFECC74-1381-4C51-AC05-7EC0833E7B33}" type="datetime1">
               <a:rPr lang="en-US" smtClean="0"/>
-              <a:t>2/22/2019</a:t>
+              <a:t>2/25/2019</a:t>
             </a:fld>
             <a:endParaRPr lang="en-US"/>
           </a:p>
@@ -8572,7 +8882,7 @@
           <a:p>
             <a:fld id="{475E1560-7126-406C-A531-3A398E8D0EEA}" type="slidenum">
               <a:rPr lang="en-US" smtClean="0"/>
-              <a:t>‹N°›</a:t>
+              <a:t>‹#›</a:t>
             </a:fld>
             <a:endParaRPr lang="en-US"/>
           </a:p>
@@ -8968,7 +9278,7 @@
           <a:p>
             <a:fld id="{C6C92FA5-5436-4F5B-9EF3-E512A9C70183}" type="datetime1">
               <a:rPr lang="en-US" smtClean="0"/>
-              <a:t>2/22/2019</a:t>
+              <a:t>2/25/2019</a:t>
             </a:fld>
             <a:endParaRPr lang="en-US"/>
           </a:p>
@@ -9013,7 +9323,7 @@
           <a:p>
             <a:fld id="{475E1560-7126-406C-A531-3A398E8D0EEA}" type="slidenum">
               <a:rPr lang="en-US" smtClean="0"/>
-              <a:t>‹N°›</a:t>
+              <a:t>‹#›</a:t>
             </a:fld>
             <a:endParaRPr lang="en-US"/>
           </a:p>
@@ -9089,7 +9399,7 @@
           <a:p>
             <a:fld id="{B9B3516A-073D-40ED-BA94-C1B0B6313250}" type="datetime1">
               <a:rPr lang="en-US" smtClean="0"/>
-              <a:t>2/22/2019</a:t>
+              <a:t>2/25/2019</a:t>
             </a:fld>
             <a:endParaRPr lang="en-US"/>
           </a:p>
@@ -9134,7 +9444,7 @@
           <a:p>
             <a:fld id="{475E1560-7126-406C-A531-3A398E8D0EEA}" type="slidenum">
               <a:rPr lang="en-US" smtClean="0"/>
-              <a:t>‹N°›</a:t>
+              <a:t>‹#›</a:t>
             </a:fld>
             <a:endParaRPr lang="en-US"/>
           </a:p>
@@ -9187,7 +9497,7 @@
           <a:p>
             <a:fld id="{28D1537D-5F73-4665-A1C6-B241248902F2}" type="datetime1">
               <a:rPr lang="en-US" smtClean="0"/>
-              <a:t>2/22/2019</a:t>
+              <a:t>2/25/2019</a:t>
             </a:fld>
             <a:endParaRPr lang="en-US"/>
           </a:p>
@@ -9232,7 +9542,7 @@
           <a:p>
             <a:fld id="{475E1560-7126-406C-A531-3A398E8D0EEA}" type="slidenum">
               <a:rPr lang="en-US" smtClean="0"/>
-              <a:t>‹N°›</a:t>
+              <a:t>‹#›</a:t>
             </a:fld>
             <a:endParaRPr lang="en-US"/>
           </a:p>
@@ -9546,7 +9856,7 @@
           <a:p>
             <a:fld id="{492561A1-2510-4540-A97E-BA1CB86F9B0C}" type="datetime1">
               <a:rPr lang="en-US" smtClean="0"/>
-              <a:t>2/22/2019</a:t>
+              <a:t>2/25/2019</a:t>
             </a:fld>
             <a:endParaRPr lang="en-US"/>
           </a:p>
@@ -9601,7 +9911,7 @@
           <a:p>
             <a:fld id="{475E1560-7126-406C-A531-3A398E8D0EEA}" type="slidenum">
               <a:rPr lang="en-US" smtClean="0"/>
-              <a:t>‹N°›</a:t>
+              <a:t>‹#›</a:t>
             </a:fld>
             <a:endParaRPr lang="en-US"/>
           </a:p>
@@ -9865,7 +10175,7 @@
           <a:p>
             <a:fld id="{AEB2D261-A1DF-4389-B380-203BD702E832}" type="datetime1">
               <a:rPr lang="en-US" smtClean="0"/>
-              <a:t>2/22/2019</a:t>
+              <a:t>2/25/2019</a:t>
             </a:fld>
             <a:endParaRPr lang="en-US"/>
           </a:p>
@@ -9930,7 +10240,7 @@
           <a:p>
             <a:fld id="{475E1560-7126-406C-A531-3A398E8D0EEA}" type="slidenum">
               <a:rPr lang="en-US" smtClean="0"/>
-              <a:t>‹N°›</a:t>
+              <a:t>‹#›</a:t>
             </a:fld>
             <a:endParaRPr lang="en-US"/>
           </a:p>
@@ -10101,7 +10411,7 @@
           <a:p>
             <a:fld id="{A36A7C4F-29A5-45BD-A6FD-45518307FC40}" type="datetime1">
               <a:rPr lang="en-US" smtClean="0"/>
-              <a:t>2/22/2019</a:t>
+              <a:t>2/25/2019</a:t>
             </a:fld>
             <a:endParaRPr lang="en-US"/>
           </a:p>
@@ -10186,7 +10496,7 @@
           <a:p>
             <a:fld id="{475E1560-7126-406C-A531-3A398E8D0EEA}" type="slidenum">
               <a:rPr lang="en-US" smtClean="0"/>
-              <a:t>‹N°›</a:t>
+              <a:t>‹#›</a:t>
             </a:fld>
             <a:endParaRPr lang="en-US"/>
           </a:p>
@@ -10678,7 +10988,7 @@
           <a:p>
             <a:fld id="{A36A7C4F-29A5-45BD-A6FD-45518307FC40}" type="datetime1">
               <a:rPr lang="en-US" smtClean="0"/>
-              <a:t>2/22/2019</a:t>
+              <a:t>2/25/2019</a:t>
             </a:fld>
             <a:endParaRPr lang="en-US"/>
           </a:p>
@@ -10759,7 +11069,7 @@
           <a:p>
             <a:fld id="{475E1560-7126-406C-A531-3A398E8D0EEA}" type="slidenum">
               <a:rPr lang="en-US" smtClean="0"/>
-              <a:t>‹N°›</a:t>
+              <a:t>‹#›</a:t>
             </a:fld>
             <a:endParaRPr lang="en-US"/>
           </a:p>
@@ -11667,7 +11977,7 @@
 </file>
 
 <file path=ppt/slides/slide10.xml><?xml version="1.0" encoding="utf-8"?>
-<p:sld xmlns:a="http://schemas.openxmlformats.org/drawingml/2006/main" xmlns:r="http://schemas.openxmlformats.org/officeDocument/2006/relationships" xmlns:p="http://schemas.openxmlformats.org/presentationml/2006/main" show="0">
+<p:sld xmlns:a="http://schemas.openxmlformats.org/drawingml/2006/main" xmlns:r="http://schemas.openxmlformats.org/officeDocument/2006/relationships" xmlns:p="http://schemas.openxmlformats.org/presentationml/2006/main">
   <p:cSld>
     <p:spTree>
       <p:nvGrpSpPr>
@@ -12126,7 +12436,7 @@
 </file>
 
 <file path=ppt/slides/slide11.xml><?xml version="1.0" encoding="utf-8"?>
-<p:sld xmlns:a="http://schemas.openxmlformats.org/drawingml/2006/main" xmlns:r="http://schemas.openxmlformats.org/officeDocument/2006/relationships" xmlns:p="http://schemas.openxmlformats.org/presentationml/2006/main" show="0">
+<p:sld xmlns:a="http://schemas.openxmlformats.org/drawingml/2006/main" xmlns:r="http://schemas.openxmlformats.org/officeDocument/2006/relationships" xmlns:p="http://schemas.openxmlformats.org/presentationml/2006/main">
   <p:cSld>
     <p:spTree>
       <p:nvGrpSpPr>
@@ -12854,7 +13164,7 @@
 </file>
 
 <file path=ppt/slides/slide12.xml><?xml version="1.0" encoding="utf-8"?>
-<p:sld xmlns:a="http://schemas.openxmlformats.org/drawingml/2006/main" xmlns:r="http://schemas.openxmlformats.org/officeDocument/2006/relationships" xmlns:p="http://schemas.openxmlformats.org/presentationml/2006/main" show="0">
+<p:sld xmlns:a="http://schemas.openxmlformats.org/drawingml/2006/main" xmlns:r="http://schemas.openxmlformats.org/officeDocument/2006/relationships" xmlns:p="http://schemas.openxmlformats.org/presentationml/2006/main">
   <p:cSld>
     <p:spTree>
       <p:nvGrpSpPr>
@@ -13227,382 +13537,52 @@
       </p:grpSpPr>
       <p:sp>
         <p:nvSpPr>
-          <p:cNvPr id="2" name="Titre 1"/>
+          <p:cNvPr id="4" name="Title 1">
+            <a:extLst>
+              <a:ext uri="{FF2B5EF4-FFF2-40B4-BE49-F238E27FC236}">
+                <a16:creationId xmlns:a16="http://schemas.microsoft.com/office/drawing/2014/main" id="{145CA327-20E6-4148-805B-D5FAC834A12F}"/>
+              </a:ext>
+            </a:extLst>
+          </p:cNvPr>
           <p:cNvSpPr>
             <a:spLocks noGrp="1"/>
           </p:cNvSpPr>
           <p:nvPr>
             <p:ph type="title"/>
-          </p:nvPr>
-        </p:nvSpPr>
-        <p:spPr/>
-        <p:txBody>
-          <a:bodyPr>
-            <a:normAutofit/>
-          </a:bodyPr>
-          <a:lstStyle/>
-          <a:p>
-            <a:pPr algn="ctr"/>
-            <a:r>
-              <a:rPr lang="fr-FR" sz="3200" b="1" u="sng" dirty="0">
-                <a:latin typeface="Calibri" panose="020F0502020204030204" pitchFamily="34" charset="0"/>
-              </a:rPr>
-              <a:t>COMPTE RENDU DE LA REUNION DU 22 FEVRIER 2018</a:t>
-            </a:r>
-          </a:p>
-        </p:txBody>
-      </p:sp>
-      <p:sp>
-        <p:nvSpPr>
-          <p:cNvPr id="3" name="Espace réservé du contenu 2"/>
-          <p:cNvSpPr>
-            <a:spLocks noGrp="1"/>
-          </p:cNvSpPr>
-          <p:nvPr>
-            <p:ph idx="1"/>
           </p:nvPr>
         </p:nvSpPr>
         <p:spPr>
           <a:xfrm>
-            <a:off x="838200" y="1625936"/>
-            <a:ext cx="10515600" cy="4591984"/>
+            <a:off x="834260" y="462455"/>
+            <a:ext cx="10515600" cy="629366"/>
           </a:xfrm>
         </p:spPr>
         <p:txBody>
           <a:bodyPr>
-            <a:normAutofit lnSpcReduction="10000"/>
+            <a:normAutofit fontScale="90000"/>
           </a:bodyPr>
           <a:lstStyle/>
           <a:p>
-            <a:r>
-              <a:rPr lang="fr-FR" sz="1600" dirty="0">
-                <a:solidFill>
-                  <a:srgbClr val="00B0F0"/>
-                </a:solidFill>
-                <a:latin typeface="Calibri" panose="020F0502020204030204" pitchFamily="34" charset="0"/>
-              </a:rPr>
-              <a:t>Cette première réunion a eu lieu le 22 février 2018 de 14h à 17h à la bibliothèque universitaire de tréfilerie.</a:t>
-            </a:r>
-          </a:p>
-          <a:p>
-            <a:r>
-              <a:rPr lang="fr-FR" sz="1600" b="1" u="sng" dirty="0">
-                <a:solidFill>
-                  <a:srgbClr val="FF0000"/>
-                </a:solidFill>
-                <a:latin typeface="Calibri" panose="020F0502020204030204" pitchFamily="34" charset="0"/>
-              </a:rPr>
-              <a:t>Objectif: </a:t>
-            </a:r>
-            <a:r>
-              <a:rPr lang="fr-FR" sz="1600" dirty="0">
-                <a:solidFill>
-                  <a:schemeClr val="tx1"/>
-                </a:solidFill>
-                <a:latin typeface="Calibri" panose="020F0502020204030204" pitchFamily="34" charset="0"/>
-              </a:rPr>
-              <a:t>Choix du sujet et partage des responsabilités au sein du groupe.</a:t>
-            </a:r>
-          </a:p>
-          <a:p>
-            <a:endParaRPr lang="fr-FR" sz="1600" dirty="0">
-              <a:solidFill>
-                <a:schemeClr val="tx1"/>
-              </a:solidFill>
-              <a:latin typeface="Calibri" panose="020F0502020204030204" pitchFamily="34" charset="0"/>
+            <a:pPr algn="ctr"/>
+            <a:r>
+              <a:rPr lang="en-US" b="1" u="sng" dirty="0">
+                <a:latin typeface="Calibri"/>
+                <a:ea typeface="Segoe UI Light" panose="020B0702040204020203" pitchFamily="34" charset="0"/>
+                <a:cs typeface="Segoe UI"/>
+              </a:rPr>
+              <a:t>RAPPEL DATES IMPORTANTES</a:t>
+            </a:r>
+            <a:endParaRPr lang="en-US" b="1" u="sng" dirty="0">
+              <a:latin typeface="Calibri"/>
+              <a:ea typeface="Segoe UI Light" panose="020B0702040204020203" pitchFamily="34" charset="0"/>
+              <a:cs typeface="Segoe UI" panose="020B0502040204020203" pitchFamily="34" charset="0"/>
             </a:endParaRPr>
           </a:p>
-          <a:p>
-            <a:r>
-              <a:rPr lang="fr-FR" sz="1600" b="1" u="sng" dirty="0">
-                <a:solidFill>
-                  <a:srgbClr val="FF0000"/>
-                </a:solidFill>
-                <a:latin typeface="Calibri" panose="020F0502020204030204" pitchFamily="34" charset="0"/>
-              </a:rPr>
-              <a:t>Choix du sujet: </a:t>
-            </a:r>
-            <a:r>
-              <a:rPr lang="fr-FR" sz="1600" dirty="0">
-                <a:solidFill>
-                  <a:schemeClr val="tx1"/>
-                </a:solidFill>
-                <a:latin typeface="Calibri" panose="020F0502020204030204" pitchFamily="34" charset="0"/>
-              </a:rPr>
-              <a:t>L’objectif principal de cette réunion extraordinaire était de choisir un sujet pour le projet, chaque membre du groupe a proposé un sujet, finalement d’un commun accord c’est le sujet de </a:t>
-            </a:r>
-            <a:r>
-              <a:rPr lang="fr-FR" sz="1600" dirty="0" err="1">
-                <a:solidFill>
-                  <a:schemeClr val="tx1"/>
-                </a:solidFill>
-                <a:latin typeface="Calibri" panose="020F0502020204030204" pitchFamily="34" charset="0"/>
-              </a:rPr>
-              <a:t>Solofo</a:t>
-            </a:r>
-            <a:r>
-              <a:rPr lang="fr-FR" sz="1600" dirty="0">
-                <a:solidFill>
-                  <a:schemeClr val="tx1"/>
-                </a:solidFill>
-                <a:latin typeface="Calibri" panose="020F0502020204030204" pitchFamily="34" charset="0"/>
-              </a:rPr>
-              <a:t> RABONARIJAONA qui a été retenu ainsi nous l’avons adapté à notre façon avec les idées de tous les membres du groupe afin qu’il soit le plus original possible.</a:t>
-            </a:r>
-          </a:p>
-          <a:p>
-            <a:endParaRPr lang="fr-FR" sz="1600" dirty="0">
-              <a:solidFill>
-                <a:schemeClr val="tx1"/>
-              </a:solidFill>
-              <a:latin typeface="Calibri" panose="020F0502020204030204" pitchFamily="34" charset="0"/>
-            </a:endParaRPr>
-          </a:p>
-          <a:p>
-            <a:r>
-              <a:rPr lang="fr-FR" sz="1600" b="1" u="sng" dirty="0">
-                <a:solidFill>
-                  <a:srgbClr val="FF0000"/>
-                </a:solidFill>
-                <a:latin typeface="Calibri" panose="020F0502020204030204" pitchFamily="34" charset="0"/>
-              </a:rPr>
-              <a:t>Partage des responsabilités: </a:t>
-            </a:r>
-            <a:r>
-              <a:rPr lang="fr-FR" sz="1600" dirty="0">
-                <a:solidFill>
-                  <a:schemeClr val="tx1"/>
-                </a:solidFill>
-                <a:latin typeface="Calibri" panose="020F0502020204030204" pitchFamily="34" charset="0"/>
-              </a:rPr>
-              <a:t>Chaque membre du groupe à une responsabilité au sein du groupe.</a:t>
-            </a:r>
-          </a:p>
-          <a:p>
-            <a:pPr marL="0" indent="0">
-              <a:buNone/>
-            </a:pPr>
-            <a:r>
-              <a:rPr lang="fr-FR" sz="1600" dirty="0">
-                <a:solidFill>
-                  <a:schemeClr val="tx1"/>
-                </a:solidFill>
-                <a:latin typeface="Calibri" panose="020F0502020204030204" pitchFamily="34" charset="0"/>
-              </a:rPr>
-              <a:t>	</a:t>
-            </a:r>
-            <a:r>
-              <a:rPr lang="fr-FR" sz="1600" b="1" u="sng" dirty="0">
-                <a:solidFill>
-                  <a:schemeClr val="tx1"/>
-                </a:solidFill>
-                <a:latin typeface="Calibri" panose="020F0502020204030204" pitchFamily="34" charset="0"/>
-              </a:rPr>
-              <a:t>Chef de projet:</a:t>
-            </a:r>
-            <a:r>
-              <a:rPr lang="fr-FR" sz="1600" b="1" dirty="0">
-                <a:solidFill>
-                  <a:schemeClr val="tx1"/>
-                </a:solidFill>
-                <a:latin typeface="Calibri" panose="020F0502020204030204" pitchFamily="34" charset="0"/>
-              </a:rPr>
-              <a:t>  </a:t>
-            </a:r>
-            <a:r>
-              <a:rPr lang="fr-FR" sz="1600" dirty="0" err="1">
-                <a:solidFill>
-                  <a:schemeClr val="tx1"/>
-                </a:solidFill>
-                <a:latin typeface="Calibri" panose="020F0502020204030204" pitchFamily="34" charset="0"/>
-              </a:rPr>
-              <a:t>Morad</a:t>
-            </a:r>
-            <a:r>
-              <a:rPr lang="fr-FR" sz="1600" dirty="0">
-                <a:solidFill>
-                  <a:schemeClr val="tx1"/>
-                </a:solidFill>
-                <a:latin typeface="Calibri" panose="020F0502020204030204" pitchFamily="34" charset="0"/>
-              </a:rPr>
-              <a:t> BENKARAACHE</a:t>
-            </a:r>
-            <a:endParaRPr lang="fr-FR" sz="1600" b="1" u="sng" dirty="0">
-              <a:solidFill>
-                <a:schemeClr val="tx1"/>
-              </a:solidFill>
-              <a:latin typeface="Calibri" panose="020F0502020204030204" pitchFamily="34" charset="0"/>
-            </a:endParaRPr>
-          </a:p>
-          <a:p>
-            <a:pPr marL="0" indent="0">
-              <a:buNone/>
-            </a:pPr>
-            <a:r>
-              <a:rPr lang="fr-FR" sz="1600" dirty="0">
-                <a:solidFill>
-                  <a:schemeClr val="tx1"/>
-                </a:solidFill>
-                <a:latin typeface="Calibri" panose="020F0502020204030204" pitchFamily="34" charset="0"/>
-              </a:rPr>
-              <a:t>          </a:t>
-            </a:r>
-            <a:r>
-              <a:rPr lang="fr-FR" sz="1600" b="1" u="sng" dirty="0">
-                <a:solidFill>
-                  <a:schemeClr val="tx1"/>
-                </a:solidFill>
-                <a:latin typeface="Calibri" panose="020F0502020204030204" pitchFamily="34" charset="0"/>
-              </a:rPr>
-              <a:t>Responsable de communication:</a:t>
-            </a:r>
-            <a:r>
-              <a:rPr lang="fr-FR" sz="1600" b="1" dirty="0">
-                <a:solidFill>
-                  <a:schemeClr val="tx1"/>
-                </a:solidFill>
-                <a:latin typeface="Calibri" panose="020F0502020204030204" pitchFamily="34" charset="0"/>
-              </a:rPr>
-              <a:t> </a:t>
-            </a:r>
-            <a:r>
-              <a:rPr lang="fr-FR" sz="1600" dirty="0">
-                <a:solidFill>
-                  <a:schemeClr val="tx1"/>
-                </a:solidFill>
-                <a:latin typeface="Calibri" panose="020F0502020204030204" pitchFamily="34" charset="0"/>
-              </a:rPr>
-              <a:t>Ibrahima DIALLO</a:t>
-            </a:r>
-          </a:p>
-          <a:p>
-            <a:pPr marL="0" indent="0">
-              <a:buNone/>
-            </a:pPr>
-            <a:r>
-              <a:rPr lang="fr-FR" sz="1600" dirty="0">
-                <a:solidFill>
-                  <a:schemeClr val="tx1"/>
-                </a:solidFill>
-                <a:latin typeface="Calibri" panose="020F0502020204030204" pitchFamily="34" charset="0"/>
-              </a:rPr>
-              <a:t>	</a:t>
-            </a:r>
-            <a:r>
-              <a:rPr lang="fr-FR" sz="1600" b="1" u="sng" dirty="0">
-                <a:solidFill>
-                  <a:schemeClr val="tx1"/>
-                </a:solidFill>
-                <a:latin typeface="Calibri" panose="020F0502020204030204" pitchFamily="34" charset="0"/>
-              </a:rPr>
-              <a:t>Responsable qualité Code:</a:t>
-            </a:r>
-            <a:r>
-              <a:rPr lang="fr-FR" sz="1600" dirty="0">
-                <a:solidFill>
-                  <a:schemeClr val="tx1"/>
-                </a:solidFill>
-                <a:latin typeface="Calibri" panose="020F0502020204030204" pitchFamily="34" charset="0"/>
-              </a:rPr>
-              <a:t> </a:t>
-            </a:r>
-            <a:r>
-              <a:rPr lang="fr-FR" sz="1600" dirty="0" err="1">
-                <a:solidFill>
-                  <a:schemeClr val="tx1"/>
-                </a:solidFill>
-                <a:latin typeface="Calibri" panose="020F0502020204030204" pitchFamily="34" charset="0"/>
-              </a:rPr>
-              <a:t>Solofo</a:t>
-            </a:r>
-            <a:r>
-              <a:rPr lang="fr-FR" sz="1600" dirty="0">
-                <a:solidFill>
-                  <a:schemeClr val="tx1"/>
-                </a:solidFill>
-                <a:latin typeface="Calibri" panose="020F0502020204030204" pitchFamily="34" charset="0"/>
-              </a:rPr>
-              <a:t> RABONARIJAONA</a:t>
-            </a:r>
-          </a:p>
-          <a:p>
-            <a:pPr marL="0" indent="0">
-              <a:buNone/>
-            </a:pPr>
-            <a:r>
-              <a:rPr lang="fr-FR" sz="1600" dirty="0">
-                <a:solidFill>
-                  <a:schemeClr val="tx1"/>
-                </a:solidFill>
-                <a:latin typeface="Calibri" panose="020F0502020204030204" pitchFamily="34" charset="0"/>
-              </a:rPr>
-              <a:t>	</a:t>
-            </a:r>
-            <a:r>
-              <a:rPr lang="fr-FR" sz="1600" b="1" u="sng" dirty="0">
-                <a:solidFill>
-                  <a:schemeClr val="tx1"/>
-                </a:solidFill>
-                <a:latin typeface="Calibri" panose="020F0502020204030204" pitchFamily="34" charset="0"/>
-              </a:rPr>
-              <a:t>Responsable SCRUM:</a:t>
-            </a:r>
-            <a:r>
-              <a:rPr lang="fr-FR" sz="1600" dirty="0">
-                <a:solidFill>
-                  <a:schemeClr val="tx1"/>
-                </a:solidFill>
-                <a:latin typeface="Calibri" panose="020F0502020204030204" pitchFamily="34" charset="0"/>
-              </a:rPr>
-              <a:t> LAUREAT</a:t>
-            </a:r>
-          </a:p>
-          <a:p>
-            <a:pPr marL="0" indent="0">
-              <a:buNone/>
-            </a:pPr>
-            <a:r>
-              <a:rPr lang="fr-FR" sz="1600" dirty="0">
-                <a:solidFill>
-                  <a:schemeClr val="tx1"/>
-                </a:solidFill>
-                <a:latin typeface="Calibri" panose="020F0502020204030204" pitchFamily="34" charset="0"/>
-              </a:rPr>
-              <a:t>	</a:t>
-            </a:r>
-            <a:r>
-              <a:rPr lang="fr-FR" sz="1600" b="1" u="sng" dirty="0">
-                <a:solidFill>
-                  <a:schemeClr val="tx1"/>
-                </a:solidFill>
-                <a:latin typeface="Calibri" panose="020F0502020204030204" pitchFamily="34" charset="0"/>
-              </a:rPr>
-              <a:t>Architecture du projet:</a:t>
-            </a:r>
-            <a:r>
-              <a:rPr lang="fr-FR" sz="1600" dirty="0">
-                <a:solidFill>
-                  <a:schemeClr val="tx1"/>
-                </a:solidFill>
-                <a:latin typeface="Calibri" panose="020F0502020204030204" pitchFamily="34" charset="0"/>
-              </a:rPr>
-              <a:t> Christian</a:t>
-            </a:r>
-            <a:r>
-              <a:rPr lang="fr-FR" sz="1600" b="1" u="sng" dirty="0">
-                <a:solidFill>
-                  <a:schemeClr val="tx1"/>
-                </a:solidFill>
-                <a:latin typeface="Calibri" panose="020F0502020204030204" pitchFamily="34" charset="0"/>
-              </a:rPr>
-              <a:t> </a:t>
-            </a:r>
-          </a:p>
-        </p:txBody>
-      </p:sp>
-      <p:sp>
-        <p:nvSpPr>
-          <p:cNvPr id="4" name="Espace réservé du pied de page 3"/>
+        </p:txBody>
+      </p:sp>
+      <p:sp>
+        <p:nvSpPr>
+          <p:cNvPr id="22" name="Footer Placeholder 2"/>
           <p:cNvSpPr>
             <a:spLocks noGrp="1"/>
           </p:cNvSpPr>
@@ -13612,25 +13592,488 @@
         </p:nvSpPr>
         <p:spPr>
           <a:xfrm>
-            <a:off x="0" y="6376575"/>
-            <a:ext cx="4114800" cy="365125"/>
+            <a:off x="834260" y="6421824"/>
+            <a:ext cx="5779169" cy="365125"/>
           </a:xfrm>
         </p:spPr>
         <p:txBody>
           <a:bodyPr/>
           <a:lstStyle/>
           <a:p>
-            <a:r>
-              <a:rPr lang="en-US" dirty="0"/>
-              <a:t>Groupe 7</a:t>
-            </a:r>
+            <a:pPr algn="l"/>
+            <a:r>
+              <a:rPr lang="en-US" dirty="0" err="1">
+                <a:solidFill>
+                  <a:schemeClr val="tx2"/>
+                </a:solidFill>
+                <a:latin typeface="Segoe UI" panose="020B0502040204020203" pitchFamily="34" charset="0"/>
+                <a:cs typeface="Segoe UI" panose="020B0502040204020203" pitchFamily="34" charset="0"/>
+              </a:rPr>
+              <a:t>Groupe</a:t>
+            </a:r>
+            <a:r>
+              <a:rPr lang="en-US" dirty="0">
+                <a:solidFill>
+                  <a:schemeClr val="tx2"/>
+                </a:solidFill>
+                <a:latin typeface="Segoe UI" panose="020B0502040204020203" pitchFamily="34" charset="0"/>
+                <a:cs typeface="Segoe UI" panose="020B0502040204020203" pitchFamily="34" charset="0"/>
+              </a:rPr>
+              <a:t> 7</a:t>
+            </a:r>
+            <a:endParaRPr lang="en-US" dirty="0"/>
+          </a:p>
+        </p:txBody>
+      </p:sp>
+      <p:sp>
+        <p:nvSpPr>
+          <p:cNvPr id="15" name="ZoneTexte 14">
+            <a:extLst>
+              <a:ext uri="{FF2B5EF4-FFF2-40B4-BE49-F238E27FC236}">
+                <a16:creationId xmlns:a16="http://schemas.microsoft.com/office/drawing/2014/main" id="{73D9B683-1D56-4859-8B36-C719B76429FB}"/>
+              </a:ext>
+            </a:extLst>
+          </p:cNvPr>
+          <p:cNvSpPr txBox="1"/>
+          <p:nvPr/>
+        </p:nvSpPr>
+        <p:spPr>
+          <a:xfrm>
+            <a:off x="907731" y="1853879"/>
+            <a:ext cx="10672550" cy="1631216"/>
+          </a:xfrm>
+          <a:prstGeom prst="rect">
+            <a:avLst/>
+          </a:prstGeom>
+          <a:noFill/>
+        </p:spPr>
+        <p:txBody>
+          <a:bodyPr wrap="square" rtlCol="0" anchor="t">
+            <a:spAutoFit/>
+          </a:bodyPr>
+          <a:lstStyle/>
+          <a:p>
+            <a:pPr marL="285750" indent="-285750">
+              <a:buFont typeface="Arial"/>
+              <a:buChar char="•"/>
+            </a:pPr>
+            <a:r>
+              <a:rPr lang="fr-FR" sz="2000" b="1" u="sng" dirty="0">
+                <a:solidFill>
+                  <a:srgbClr val="FF0000"/>
+                </a:solidFill>
+                <a:latin typeface="Calibri"/>
+                <a:cs typeface="Calibri"/>
+              </a:rPr>
+              <a:t>Itération 1:</a:t>
+            </a:r>
+            <a:r>
+              <a:rPr lang="fr-FR" sz="2000" dirty="0">
+                <a:latin typeface="Calibri"/>
+                <a:cs typeface="Calibri"/>
+              </a:rPr>
+              <a:t> Du 26 février 2019 au 26 Mars 2019</a:t>
+            </a:r>
+          </a:p>
+          <a:p>
+            <a:endParaRPr lang="fr-FR" sz="2000" dirty="0">
+              <a:latin typeface="Calibri" panose="020F0502020204030204" pitchFamily="34" charset="0"/>
+              <a:cs typeface="Calibri"/>
+            </a:endParaRPr>
+          </a:p>
+          <a:p>
+            <a:pPr marL="285750" indent="-285750">
+              <a:buFont typeface="Arial"/>
+              <a:buChar char="•"/>
+            </a:pPr>
+            <a:r>
+              <a:rPr lang="fr-FR" sz="2000" b="1" u="sng" dirty="0">
+                <a:solidFill>
+                  <a:srgbClr val="FF0000"/>
+                </a:solidFill>
+                <a:latin typeface="Calibri"/>
+                <a:cs typeface="Calibri"/>
+              </a:rPr>
+              <a:t>Itération 2:</a:t>
+            </a:r>
+            <a:r>
+              <a:rPr lang="fr-FR" sz="2000" dirty="0">
+                <a:latin typeface="Calibri"/>
+                <a:cs typeface="Calibri"/>
+              </a:rPr>
+              <a:t>  26 Mars 2019 au 23 Avril 2019</a:t>
+            </a:r>
+          </a:p>
+          <a:p>
+            <a:pPr marL="285750" indent="-285750">
+              <a:buFont typeface="Arial"/>
+              <a:buChar char="•"/>
+            </a:pPr>
+            <a:endParaRPr lang="fr-FR" sz="2000" dirty="0">
+              <a:latin typeface="Calibri" panose="020F0502020204030204" pitchFamily="34" charset="0"/>
+              <a:cs typeface="Calibri"/>
+            </a:endParaRPr>
+          </a:p>
+          <a:p>
+            <a:pPr marL="285750" indent="-285750">
+              <a:buFont typeface="Arial"/>
+              <a:buChar char="•"/>
+            </a:pPr>
+            <a:r>
+              <a:rPr lang="fr-FR" sz="2000" b="1" u="sng" dirty="0">
+                <a:solidFill>
+                  <a:srgbClr val="FF0000"/>
+                </a:solidFill>
+                <a:latin typeface="Calibri"/>
+                <a:cs typeface="Calibri"/>
+              </a:rPr>
+              <a:t>Itération 3:</a:t>
+            </a:r>
+            <a:r>
+              <a:rPr lang="fr-FR" sz="2000" dirty="0">
+                <a:latin typeface="Calibri"/>
+                <a:cs typeface="Calibri"/>
+              </a:rPr>
+              <a:t>  23 Avril 2019 au 13 Mai 2019</a:t>
+            </a:r>
+          </a:p>
+        </p:txBody>
+      </p:sp>
+      <p:pic>
+        <p:nvPicPr>
+          <p:cNvPr id="2" name="Picture 5">
+            <a:extLst>
+              <a:ext uri="{FF2B5EF4-FFF2-40B4-BE49-F238E27FC236}">
+                <a16:creationId xmlns:a16="http://schemas.microsoft.com/office/drawing/2014/main" id="{2CE2F802-2618-462C-A98B-936F84CD2A2B}"/>
+              </a:ext>
+            </a:extLst>
+          </p:cNvPr>
+          <p:cNvPicPr>
+            <a:picLocks noChangeAspect="1"/>
+          </p:cNvPicPr>
+          <p:nvPr/>
+        </p:nvPicPr>
+        <p:blipFill>
+          <a:blip r:embed="rId3"/>
+          <a:stretch>
+            <a:fillRect/>
+          </a:stretch>
+        </p:blipFill>
+        <p:spPr>
+          <a:xfrm>
+            <a:off x="1185682" y="229588"/>
+            <a:ext cx="1726182" cy="978559"/>
+          </a:xfrm>
+          <a:prstGeom prst="rect">
+            <a:avLst/>
+          </a:prstGeom>
+        </p:spPr>
+      </p:pic>
+      <p:pic>
+        <p:nvPicPr>
+          <p:cNvPr id="11" name="Picture 5">
+            <a:extLst>
+              <a:ext uri="{FF2B5EF4-FFF2-40B4-BE49-F238E27FC236}">
+                <a16:creationId xmlns:a16="http://schemas.microsoft.com/office/drawing/2014/main" id="{ADBD03ED-1F5E-42C8-BFDA-C9A4BD45B2F1}"/>
+              </a:ext>
+            </a:extLst>
+          </p:cNvPr>
+          <p:cNvPicPr>
+            <a:picLocks noChangeAspect="1"/>
+          </p:cNvPicPr>
+          <p:nvPr/>
+        </p:nvPicPr>
+        <p:blipFill>
+          <a:blip r:embed="rId3"/>
+          <a:stretch>
+            <a:fillRect/>
+          </a:stretch>
+        </p:blipFill>
+        <p:spPr>
+          <a:xfrm>
+            <a:off x="9165115" y="229587"/>
+            <a:ext cx="1726182" cy="978559"/>
+          </a:xfrm>
+          <a:prstGeom prst="rect">
+            <a:avLst/>
+          </a:prstGeom>
+        </p:spPr>
+      </p:pic>
+      <p:sp>
+        <p:nvSpPr>
+          <p:cNvPr id="7" name="TextBox 6">
+            <a:extLst>
+              <a:ext uri="{FF2B5EF4-FFF2-40B4-BE49-F238E27FC236}">
+                <a16:creationId xmlns:a16="http://schemas.microsoft.com/office/drawing/2014/main" id="{09D611C4-88BD-4903-9460-0115249F702C}"/>
+              </a:ext>
+            </a:extLst>
+          </p:cNvPr>
+          <p:cNvSpPr txBox="1"/>
+          <p:nvPr/>
+        </p:nvSpPr>
+        <p:spPr>
+          <a:xfrm>
+            <a:off x="612476" y="4120551"/>
+            <a:ext cx="11053310" cy="1600438"/>
+          </a:xfrm>
+          <a:prstGeom prst="rect">
+            <a:avLst/>
+          </a:prstGeom>
+        </p:spPr>
+        <p:style>
+          <a:lnRef idx="2">
+            <a:schemeClr val="dk1"/>
+          </a:lnRef>
+          <a:fillRef idx="1">
+            <a:schemeClr val="lt1"/>
+          </a:fillRef>
+          <a:effectRef idx="0">
+            <a:schemeClr val="dk1"/>
+          </a:effectRef>
+          <a:fontRef idx="minor">
+            <a:schemeClr val="dk1"/>
+          </a:fontRef>
+        </p:style>
+        <p:txBody>
+          <a:bodyPr rot="0" spcFirstLastPara="0" vertOverflow="overflow" horzOverflow="overflow" vert="horz" wrap="square" lIns="91440" tIns="45720" rIns="91440" bIns="45720" numCol="1" spcCol="0" rtlCol="0" fromWordArt="0" anchor="t" anchorCtr="0" forceAA="0" compatLnSpc="1">
+            <a:prstTxWarp prst="textNoShape">
+              <a:avLst/>
+            </a:prstTxWarp>
+            <a:spAutoFit/>
+          </a:bodyPr>
+          <a:lstStyle/>
+          <a:p>
+            <a:r>
+              <a:rPr lang="en-US" sz="2000" b="1" dirty="0">
+                <a:cs typeface="Calibri"/>
+              </a:rPr>
+              <a:t>2AVRIL 2019: Pour </a:t>
+            </a:r>
+            <a:r>
+              <a:rPr lang="en-US" sz="2000" b="1" dirty="0" err="1">
+                <a:cs typeface="Calibri"/>
+              </a:rPr>
+              <a:t>être</a:t>
+            </a:r>
+            <a:r>
+              <a:rPr lang="en-US" sz="2000" b="1" dirty="0">
+                <a:cs typeface="Calibri"/>
+              </a:rPr>
+              <a:t> </a:t>
+            </a:r>
+            <a:r>
+              <a:rPr lang="en-US" sz="2000" b="1" dirty="0" err="1">
+                <a:cs typeface="Calibri"/>
+              </a:rPr>
+              <a:t>présenté</a:t>
+            </a:r>
+            <a:r>
+              <a:rPr lang="en-US" sz="2000" b="1" dirty="0">
+                <a:cs typeface="Calibri"/>
+              </a:rPr>
+              <a:t>, le </a:t>
+            </a:r>
+            <a:r>
+              <a:rPr lang="en-US" sz="2000" b="1" dirty="0" err="1">
+                <a:cs typeface="Calibri"/>
+              </a:rPr>
+              <a:t>projet</a:t>
+            </a:r>
+            <a:r>
+              <a:rPr lang="en-US" sz="2000" b="1" dirty="0">
+                <a:cs typeface="Calibri"/>
+              </a:rPr>
+              <a:t> </a:t>
+            </a:r>
+            <a:r>
+              <a:rPr lang="en-US" sz="2000" b="1" dirty="0" err="1">
+                <a:cs typeface="Calibri"/>
+              </a:rPr>
+              <a:t>devra</a:t>
+            </a:r>
+            <a:r>
+              <a:rPr lang="en-US" sz="2000" b="1" dirty="0">
+                <a:cs typeface="Calibri"/>
+              </a:rPr>
+              <a:t> </a:t>
+            </a:r>
+            <a:r>
+              <a:rPr lang="en-US" sz="2000" b="1" dirty="0" err="1">
+                <a:cs typeface="Calibri"/>
+              </a:rPr>
+              <a:t>être</a:t>
+            </a:r>
+            <a:r>
+              <a:rPr lang="en-US" sz="2000" b="1" dirty="0">
+                <a:cs typeface="Calibri"/>
+              </a:rPr>
+              <a:t> </a:t>
+            </a:r>
+            <a:r>
+              <a:rPr lang="en-US" sz="2000" b="1" dirty="0" err="1">
+                <a:cs typeface="Calibri"/>
+              </a:rPr>
+              <a:t>suffisamment</a:t>
+            </a:r>
+            <a:r>
+              <a:rPr lang="en-US" sz="2000" b="1" dirty="0">
+                <a:cs typeface="Calibri"/>
+              </a:rPr>
+              <a:t> </a:t>
+            </a:r>
+            <a:r>
+              <a:rPr lang="en-US" sz="2000" b="1" dirty="0" err="1">
+                <a:cs typeface="Calibri"/>
+              </a:rPr>
+              <a:t>abouti</a:t>
+            </a:r>
+            <a:r>
+              <a:rPr lang="en-US" sz="2000" b="1" dirty="0">
+                <a:cs typeface="Calibri"/>
+              </a:rPr>
+              <a:t> et </a:t>
+            </a:r>
+            <a:r>
+              <a:rPr lang="en-US" sz="2000" b="1" dirty="0" err="1">
+                <a:cs typeface="Calibri"/>
+              </a:rPr>
+              <a:t>prometteur</a:t>
+            </a:r>
+            <a:r>
+              <a:rPr lang="en-US" sz="2000" b="1" dirty="0">
+                <a:cs typeface="Calibri"/>
+              </a:rPr>
+              <a:t> à </a:t>
+            </a:r>
+            <a:r>
+              <a:rPr lang="en-US" sz="2000" b="1" dirty="0" err="1">
+                <a:cs typeface="Calibri"/>
+              </a:rPr>
+              <a:t>cette</a:t>
+            </a:r>
+            <a:r>
+              <a:rPr lang="en-US" sz="2000" b="1" dirty="0">
+                <a:cs typeface="Calibri"/>
+              </a:rPr>
+              <a:t> date. </a:t>
+            </a:r>
+          </a:p>
+          <a:p>
+            <a:endParaRPr lang="en-US" sz="2000" b="1" dirty="0">
+              <a:cs typeface="Calibri"/>
+            </a:endParaRPr>
+          </a:p>
+          <a:p>
+            <a:r>
+              <a:rPr lang="en-US" sz="2000" b="1" dirty="0">
+                <a:cs typeface="Calibri"/>
+              </a:rPr>
+              <a:t>13 MAI 2018:  </a:t>
+            </a:r>
+            <a:r>
+              <a:rPr lang="en-US" sz="2000" b="1" dirty="0" err="1">
+                <a:cs typeface="Calibri"/>
+              </a:rPr>
+              <a:t>Rendu</a:t>
+            </a:r>
+            <a:r>
+              <a:rPr lang="en-US" sz="2000" b="1" dirty="0">
+                <a:cs typeface="Calibri"/>
+              </a:rPr>
+              <a:t> du </a:t>
+            </a:r>
+            <a:r>
+              <a:rPr lang="en-US" sz="2000" b="1" dirty="0" err="1">
+                <a:cs typeface="Calibri"/>
+              </a:rPr>
+              <a:t>projet</a:t>
+            </a:r>
+            <a:r>
+              <a:rPr lang="en-US" sz="2000" b="1" dirty="0">
+                <a:cs typeface="Calibri"/>
+              </a:rPr>
+              <a:t> ===&gt; soirée ouverte au public au </a:t>
+            </a:r>
+            <a:r>
+              <a:rPr lang="en-US" sz="2000" b="1" dirty="0" err="1">
+                <a:cs typeface="Calibri"/>
+              </a:rPr>
+              <a:t>Méliès</a:t>
+            </a:r>
+            <a:r>
+              <a:rPr lang="en-US" sz="2000" b="1" dirty="0">
+                <a:cs typeface="Calibri"/>
+              </a:rPr>
+              <a:t> Saint-François</a:t>
+            </a:r>
+          </a:p>
+          <a:p>
+            <a:r>
+              <a:rPr lang="en-US" sz="2000" b="1" dirty="0" err="1">
+                <a:cs typeface="Calibri"/>
+              </a:rPr>
+              <a:t>objectif</a:t>
+            </a:r>
+            <a:r>
+              <a:rPr lang="en-US" sz="2000" b="1" dirty="0">
+                <a:cs typeface="Calibri"/>
+              </a:rPr>
+              <a:t> : </a:t>
+            </a:r>
+            <a:r>
+              <a:rPr lang="en-US" sz="2000" b="1" dirty="0" err="1">
+                <a:cs typeface="Calibri"/>
+              </a:rPr>
+              <a:t>montrer</a:t>
+            </a:r>
+            <a:r>
+              <a:rPr lang="en-US" sz="2000" b="1" dirty="0">
+                <a:cs typeface="Calibri"/>
+              </a:rPr>
+              <a:t> les </a:t>
+            </a:r>
+            <a:r>
+              <a:rPr lang="en-US" sz="2000" b="1" dirty="0" err="1">
+                <a:cs typeface="Calibri"/>
+              </a:rPr>
+              <a:t>projets</a:t>
+            </a:r>
+            <a:r>
+              <a:rPr lang="en-US" sz="2000" b="1" dirty="0">
+                <a:cs typeface="Calibri"/>
+              </a:rPr>
+              <a:t> au public, </a:t>
+            </a:r>
+            <a:r>
+              <a:rPr lang="en-US" sz="2000" b="1" dirty="0" err="1">
+                <a:cs typeface="Calibri"/>
+              </a:rPr>
+              <a:t>jouer</a:t>
+            </a:r>
+            <a:r>
+              <a:rPr lang="en-US" sz="2000" b="1" dirty="0">
+                <a:cs typeface="Calibri"/>
+              </a:rPr>
+              <a:t> en condition </a:t>
+            </a:r>
+            <a:r>
+              <a:rPr lang="en-US" sz="2000" b="1" dirty="0" err="1">
+                <a:cs typeface="Calibri"/>
+              </a:rPr>
+              <a:t>réelle</a:t>
+            </a:r>
+          </a:p>
+          <a:p>
+            <a:endParaRPr lang="en-US" dirty="0">
+              <a:cs typeface="Calibri"/>
+            </a:endParaRPr>
           </a:p>
         </p:txBody>
       </p:sp>
     </p:spTree>
     <p:extLst>
       <p:ext uri="{BB962C8B-B14F-4D97-AF65-F5344CB8AC3E}">
-        <p14:creationId xmlns:p14="http://schemas.microsoft.com/office/powerpoint/2010/main" val="3819308541"/>
+        <p14:creationId xmlns:p14="http://schemas.microsoft.com/office/powerpoint/2010/main" val="547619900"/>
       </p:ext>
     </p:extLst>
   </p:cSld>
@@ -13641,7 +14084,7 @@
 </file>
 
 <file path=ppt/slides/slide14.xml><?xml version="1.0" encoding="utf-8"?>
-<p:sld xmlns:a="http://schemas.openxmlformats.org/drawingml/2006/main" xmlns:r="http://schemas.openxmlformats.org/officeDocument/2006/relationships" xmlns:p="http://schemas.openxmlformats.org/presentationml/2006/main" show="0">
+<p:sld xmlns:a="http://schemas.openxmlformats.org/drawingml/2006/main" xmlns:r="http://schemas.openxmlformats.org/officeDocument/2006/relationships" xmlns:p="http://schemas.openxmlformats.org/presentationml/2006/main">
   <p:cSld>
     <p:spTree>
       <p:nvGrpSpPr>
@@ -13659,13 +14102,7 @@
       </p:grpSpPr>
       <p:sp>
         <p:nvSpPr>
-          <p:cNvPr id="4" name="Title 1">
-            <a:extLst>
-              <a:ext uri="{FF2B5EF4-FFF2-40B4-BE49-F238E27FC236}">
-                <a16:creationId xmlns:a16="http://schemas.microsoft.com/office/drawing/2014/main" id="{145CA327-20E6-4148-805B-D5FAC834A12F}"/>
-              </a:ext>
-            </a:extLst>
-          </p:cNvPr>
+          <p:cNvPr id="2" name="Titre 1"/>
           <p:cNvSpPr>
             <a:spLocks noGrp="1"/>
           </p:cNvSpPr>
@@ -13673,12 +14110,7 @@
             <p:ph type="title"/>
           </p:nvPr>
         </p:nvSpPr>
-        <p:spPr>
-          <a:xfrm>
-            <a:off x="834260" y="462455"/>
-            <a:ext cx="10515600" cy="629366"/>
-          </a:xfrm>
-        </p:spPr>
+        <p:spPr/>
         <p:txBody>
           <a:bodyPr>
             <a:normAutofit/>
@@ -13688,18 +14120,431 @@
             <a:pPr algn="ctr"/>
             <a:r>
               <a:rPr lang="fr-FR" sz="3200" b="1" u="sng" dirty="0">
-                <a:latin typeface="Calibri" panose="020F0502020204030204" pitchFamily="34" charset="0"/>
-              </a:rPr>
-              <a:t>COMPTE RENDU DE LA REUNION DU 22 FEVRIER 2018</a:t>
-            </a:r>
-            <a:endParaRPr lang="en-US" sz="3200" dirty="0">
+                <a:latin typeface="Calibri"/>
+                <a:cs typeface="Segoe UI Light"/>
+              </a:rPr>
+              <a:t>COMPTE RENDU DE LA REUNION DU 21 FEVRIER 2018 (1)</a:t>
+            </a:r>
+            <a:endParaRPr lang="fr-FR" sz="3200" b="1" u="sng" dirty="0">
               <a:latin typeface="Calibri" panose="020F0502020204030204" pitchFamily="34" charset="0"/>
-              <a:ea typeface="Segoe UI Light" panose="020B0702040204020203" pitchFamily="34" charset="0"/>
-              <a:cs typeface="Segoe UI" panose="020B0502040204020203" pitchFamily="34" charset="0"/>
             </a:endParaRPr>
           </a:p>
         </p:txBody>
       </p:sp>
+      <p:sp>
+        <p:nvSpPr>
+          <p:cNvPr id="3" name="Espace réservé du contenu 2"/>
+          <p:cNvSpPr>
+            <a:spLocks noGrp="1"/>
+          </p:cNvSpPr>
+          <p:nvPr>
+            <p:ph idx="1"/>
+          </p:nvPr>
+        </p:nvSpPr>
+        <p:spPr>
+          <a:xfrm>
+            <a:off x="838200" y="1625936"/>
+            <a:ext cx="10515600" cy="4591984"/>
+          </a:xfrm>
+        </p:spPr>
+        <p:txBody>
+          <a:bodyPr>
+            <a:normAutofit lnSpcReduction="10000"/>
+          </a:bodyPr>
+          <a:lstStyle/>
+          <a:p>
+            <a:r>
+              <a:rPr lang="fr-FR" sz="1600" dirty="0">
+                <a:solidFill>
+                  <a:srgbClr val="00B0F0"/>
+                </a:solidFill>
+                <a:latin typeface="Calibri" panose="020F0502020204030204" pitchFamily="34" charset="0"/>
+              </a:rPr>
+              <a:t>Cette première réunion a eu lieu le 22 février 2018 de 14h à 17h à la bibliothèque universitaire de tréfilerie.</a:t>
+            </a:r>
+          </a:p>
+          <a:p>
+            <a:r>
+              <a:rPr lang="fr-FR" sz="1600" b="1" u="sng" dirty="0">
+                <a:solidFill>
+                  <a:srgbClr val="FF0000"/>
+                </a:solidFill>
+                <a:latin typeface="Calibri" panose="020F0502020204030204" pitchFamily="34" charset="0"/>
+              </a:rPr>
+              <a:t>Objectif: </a:t>
+            </a:r>
+            <a:r>
+              <a:rPr lang="fr-FR" sz="1600" dirty="0">
+                <a:solidFill>
+                  <a:schemeClr val="tx1"/>
+                </a:solidFill>
+                <a:latin typeface="Calibri" panose="020F0502020204030204" pitchFamily="34" charset="0"/>
+              </a:rPr>
+              <a:t>Choix du sujet et partage des responsabilités au sein du groupe.</a:t>
+            </a:r>
+          </a:p>
+          <a:p>
+            <a:endParaRPr lang="fr-FR" sz="1600" dirty="0">
+              <a:solidFill>
+                <a:schemeClr val="tx1"/>
+              </a:solidFill>
+              <a:latin typeface="Calibri" panose="020F0502020204030204" pitchFamily="34" charset="0"/>
+            </a:endParaRPr>
+          </a:p>
+          <a:p>
+            <a:r>
+              <a:rPr lang="fr-FR" sz="1600" b="1" u="sng" dirty="0">
+                <a:solidFill>
+                  <a:srgbClr val="FF0000"/>
+                </a:solidFill>
+                <a:latin typeface="Calibri" panose="020F0502020204030204" pitchFamily="34" charset="0"/>
+              </a:rPr>
+              <a:t>Choix du sujet: </a:t>
+            </a:r>
+            <a:r>
+              <a:rPr lang="fr-FR" sz="1600" dirty="0">
+                <a:solidFill>
+                  <a:schemeClr val="tx1"/>
+                </a:solidFill>
+                <a:latin typeface="Calibri" panose="020F0502020204030204" pitchFamily="34" charset="0"/>
+              </a:rPr>
+              <a:t>L’objectif principal de cette réunion extraordinaire était de choisir un sujet pour le projet, chaque membre du groupe a proposé un sujet, finalement d’un commun accord c’est le sujet de </a:t>
+            </a:r>
+            <a:r>
+              <a:rPr lang="fr-FR" sz="1600" dirty="0" err="1">
+                <a:solidFill>
+                  <a:schemeClr val="tx1"/>
+                </a:solidFill>
+                <a:latin typeface="Calibri" panose="020F0502020204030204" pitchFamily="34" charset="0"/>
+              </a:rPr>
+              <a:t>Solofo</a:t>
+            </a:r>
+            <a:r>
+              <a:rPr lang="fr-FR" sz="1600" dirty="0">
+                <a:solidFill>
+                  <a:schemeClr val="tx1"/>
+                </a:solidFill>
+                <a:latin typeface="Calibri" panose="020F0502020204030204" pitchFamily="34" charset="0"/>
+              </a:rPr>
+              <a:t> RABONARIJAONA qui a été retenu ainsi nous l’avons adapté à notre façon avec les idées de tous les membres du groupe afin qu’il soit le plus original possible.</a:t>
+            </a:r>
+          </a:p>
+          <a:p>
+            <a:endParaRPr lang="fr-FR" sz="1600" dirty="0">
+              <a:solidFill>
+                <a:schemeClr val="tx1"/>
+              </a:solidFill>
+              <a:latin typeface="Calibri" panose="020F0502020204030204" pitchFamily="34" charset="0"/>
+            </a:endParaRPr>
+          </a:p>
+          <a:p>
+            <a:r>
+              <a:rPr lang="fr-FR" sz="1600" b="1" u="sng" dirty="0">
+                <a:solidFill>
+                  <a:srgbClr val="FF0000"/>
+                </a:solidFill>
+                <a:latin typeface="Calibri" panose="020F0502020204030204" pitchFamily="34" charset="0"/>
+              </a:rPr>
+              <a:t>Partage des responsabilités: </a:t>
+            </a:r>
+            <a:r>
+              <a:rPr lang="fr-FR" sz="1600" dirty="0">
+                <a:solidFill>
+                  <a:schemeClr val="tx1"/>
+                </a:solidFill>
+                <a:latin typeface="Calibri" panose="020F0502020204030204" pitchFamily="34" charset="0"/>
+              </a:rPr>
+              <a:t>Chaque membre du groupe à une responsabilité au sein du groupe.</a:t>
+            </a:r>
+          </a:p>
+          <a:p>
+            <a:pPr marL="0" indent="0">
+              <a:buNone/>
+            </a:pPr>
+            <a:r>
+              <a:rPr lang="fr-FR" sz="1600" dirty="0">
+                <a:solidFill>
+                  <a:schemeClr val="tx1"/>
+                </a:solidFill>
+                <a:latin typeface="Calibri" panose="020F0502020204030204" pitchFamily="34" charset="0"/>
+              </a:rPr>
+              <a:t>	</a:t>
+            </a:r>
+            <a:r>
+              <a:rPr lang="fr-FR" sz="1600" b="1" u="sng" dirty="0">
+                <a:solidFill>
+                  <a:schemeClr val="tx1"/>
+                </a:solidFill>
+                <a:latin typeface="Calibri" panose="020F0502020204030204" pitchFamily="34" charset="0"/>
+              </a:rPr>
+              <a:t>Chef de projet:</a:t>
+            </a:r>
+            <a:r>
+              <a:rPr lang="fr-FR" sz="1600" b="1" dirty="0">
+                <a:solidFill>
+                  <a:schemeClr val="tx1"/>
+                </a:solidFill>
+                <a:latin typeface="Calibri" panose="020F0502020204030204" pitchFamily="34" charset="0"/>
+              </a:rPr>
+              <a:t>  </a:t>
+            </a:r>
+            <a:r>
+              <a:rPr lang="fr-FR" sz="1600" dirty="0" err="1">
+                <a:solidFill>
+                  <a:schemeClr val="tx1"/>
+                </a:solidFill>
+                <a:latin typeface="Calibri" panose="020F0502020204030204" pitchFamily="34" charset="0"/>
+              </a:rPr>
+              <a:t>Morad</a:t>
+            </a:r>
+            <a:r>
+              <a:rPr lang="fr-FR" sz="1600" dirty="0">
+                <a:solidFill>
+                  <a:schemeClr val="tx1"/>
+                </a:solidFill>
+                <a:latin typeface="Calibri" panose="020F0502020204030204" pitchFamily="34" charset="0"/>
+              </a:rPr>
+              <a:t> BENKARAACHE</a:t>
+            </a:r>
+            <a:endParaRPr lang="fr-FR" sz="1600" b="1" u="sng" dirty="0">
+              <a:solidFill>
+                <a:schemeClr val="tx1"/>
+              </a:solidFill>
+              <a:latin typeface="Calibri" panose="020F0502020204030204" pitchFamily="34" charset="0"/>
+            </a:endParaRPr>
+          </a:p>
+          <a:p>
+            <a:pPr marL="0" indent="0">
+              <a:buNone/>
+            </a:pPr>
+            <a:r>
+              <a:rPr lang="fr-FR" sz="1600" dirty="0">
+                <a:solidFill>
+                  <a:schemeClr val="tx1"/>
+                </a:solidFill>
+                <a:latin typeface="Calibri" panose="020F0502020204030204" pitchFamily="34" charset="0"/>
+              </a:rPr>
+              <a:t>          </a:t>
+            </a:r>
+            <a:r>
+              <a:rPr lang="fr-FR" sz="1600" b="1" u="sng" dirty="0">
+                <a:solidFill>
+                  <a:schemeClr val="tx1"/>
+                </a:solidFill>
+                <a:latin typeface="Calibri" panose="020F0502020204030204" pitchFamily="34" charset="0"/>
+              </a:rPr>
+              <a:t>Responsable de communication:</a:t>
+            </a:r>
+            <a:r>
+              <a:rPr lang="fr-FR" sz="1600" b="1" dirty="0">
+                <a:solidFill>
+                  <a:schemeClr val="tx1"/>
+                </a:solidFill>
+                <a:latin typeface="Calibri" panose="020F0502020204030204" pitchFamily="34" charset="0"/>
+              </a:rPr>
+              <a:t> </a:t>
+            </a:r>
+            <a:r>
+              <a:rPr lang="fr-FR" sz="1600" dirty="0">
+                <a:solidFill>
+                  <a:schemeClr val="tx1"/>
+                </a:solidFill>
+                <a:latin typeface="Calibri" panose="020F0502020204030204" pitchFamily="34" charset="0"/>
+              </a:rPr>
+              <a:t>Ibrahima DIALLO</a:t>
+            </a:r>
+          </a:p>
+          <a:p>
+            <a:pPr marL="0" indent="0">
+              <a:buNone/>
+            </a:pPr>
+            <a:r>
+              <a:rPr lang="fr-FR" sz="1600" dirty="0">
+                <a:solidFill>
+                  <a:schemeClr val="tx1"/>
+                </a:solidFill>
+                <a:latin typeface="Calibri" panose="020F0502020204030204" pitchFamily="34" charset="0"/>
+              </a:rPr>
+              <a:t>	</a:t>
+            </a:r>
+            <a:r>
+              <a:rPr lang="fr-FR" sz="1600" b="1" u="sng" dirty="0">
+                <a:solidFill>
+                  <a:schemeClr val="tx1"/>
+                </a:solidFill>
+                <a:latin typeface="Calibri" panose="020F0502020204030204" pitchFamily="34" charset="0"/>
+              </a:rPr>
+              <a:t>Responsable qualité Code:</a:t>
+            </a:r>
+            <a:r>
+              <a:rPr lang="fr-FR" sz="1600" dirty="0">
+                <a:solidFill>
+                  <a:schemeClr val="tx1"/>
+                </a:solidFill>
+                <a:latin typeface="Calibri" panose="020F0502020204030204" pitchFamily="34" charset="0"/>
+              </a:rPr>
+              <a:t> </a:t>
+            </a:r>
+            <a:r>
+              <a:rPr lang="fr-FR" sz="1600" dirty="0" err="1">
+                <a:solidFill>
+                  <a:schemeClr val="tx1"/>
+                </a:solidFill>
+                <a:latin typeface="Calibri" panose="020F0502020204030204" pitchFamily="34" charset="0"/>
+              </a:rPr>
+              <a:t>Solofo</a:t>
+            </a:r>
+            <a:r>
+              <a:rPr lang="fr-FR" sz="1600" dirty="0">
+                <a:solidFill>
+                  <a:schemeClr val="tx1"/>
+                </a:solidFill>
+                <a:latin typeface="Calibri" panose="020F0502020204030204" pitchFamily="34" charset="0"/>
+              </a:rPr>
+              <a:t> RABONARIJAONA</a:t>
+            </a:r>
+          </a:p>
+          <a:p>
+            <a:pPr marL="0" indent="0">
+              <a:buNone/>
+            </a:pPr>
+            <a:r>
+              <a:rPr lang="fr-FR" sz="1600" dirty="0">
+                <a:solidFill>
+                  <a:schemeClr val="tx1"/>
+                </a:solidFill>
+                <a:latin typeface="Calibri" panose="020F0502020204030204" pitchFamily="34" charset="0"/>
+              </a:rPr>
+              <a:t>	</a:t>
+            </a:r>
+            <a:r>
+              <a:rPr lang="fr-FR" sz="1600" b="1" u="sng" dirty="0">
+                <a:solidFill>
+                  <a:schemeClr val="tx1"/>
+                </a:solidFill>
+                <a:latin typeface="Calibri" panose="020F0502020204030204" pitchFamily="34" charset="0"/>
+              </a:rPr>
+              <a:t>Responsable SCRUM:</a:t>
+            </a:r>
+            <a:r>
+              <a:rPr lang="fr-FR" sz="1600" dirty="0">
+                <a:solidFill>
+                  <a:schemeClr val="tx1"/>
+                </a:solidFill>
+                <a:latin typeface="Calibri" panose="020F0502020204030204" pitchFamily="34" charset="0"/>
+              </a:rPr>
+              <a:t>  Aldwin LAUREAT</a:t>
+            </a:r>
+          </a:p>
+          <a:p>
+            <a:pPr marL="0" indent="0">
+              <a:buNone/>
+            </a:pPr>
+            <a:r>
+              <a:rPr lang="fr-FR" sz="1600" dirty="0">
+                <a:solidFill>
+                  <a:schemeClr val="tx1"/>
+                </a:solidFill>
+                <a:latin typeface="Calibri" panose="020F0502020204030204" pitchFamily="34" charset="0"/>
+              </a:rPr>
+              <a:t>	</a:t>
+            </a:r>
+            <a:r>
+              <a:rPr lang="fr-FR" sz="1600" b="1" u="sng" dirty="0">
+                <a:solidFill>
+                  <a:schemeClr val="tx1"/>
+                </a:solidFill>
+                <a:latin typeface="Calibri" panose="020F0502020204030204" pitchFamily="34" charset="0"/>
+              </a:rPr>
+              <a:t>Architecture du projet:</a:t>
+            </a:r>
+            <a:r>
+              <a:rPr lang="fr-FR" sz="1600" dirty="0">
+                <a:solidFill>
+                  <a:schemeClr val="tx1"/>
+                </a:solidFill>
+                <a:latin typeface="Calibri" panose="020F0502020204030204" pitchFamily="34" charset="0"/>
+              </a:rPr>
+              <a:t> Christian</a:t>
+            </a:r>
+            <a:r>
+              <a:rPr lang="fr-FR" sz="1600" b="1" u="sng" dirty="0">
+                <a:solidFill>
+                  <a:schemeClr val="tx1"/>
+                </a:solidFill>
+                <a:latin typeface="Calibri" panose="020F0502020204030204" pitchFamily="34" charset="0"/>
+              </a:rPr>
+              <a:t> </a:t>
+            </a:r>
+            <a:r>
+              <a:rPr lang="fr-FR" sz="1600" dirty="0">
+                <a:solidFill>
+                  <a:schemeClr val="tx1"/>
+                </a:solidFill>
+                <a:latin typeface="Calibri" panose="020F0502020204030204" pitchFamily="34" charset="0"/>
+              </a:rPr>
+              <a:t>OKOUERET ELENGA</a:t>
+            </a:r>
+          </a:p>
+        </p:txBody>
+      </p:sp>
+      <p:sp>
+        <p:nvSpPr>
+          <p:cNvPr id="4" name="Espace réservé du pied de page 3"/>
+          <p:cNvSpPr>
+            <a:spLocks noGrp="1"/>
+          </p:cNvSpPr>
+          <p:nvPr>
+            <p:ph type="ftr" sz="quarter" idx="11"/>
+          </p:nvPr>
+        </p:nvSpPr>
+        <p:spPr>
+          <a:xfrm>
+            <a:off x="0" y="6376575"/>
+            <a:ext cx="4114800" cy="365125"/>
+          </a:xfrm>
+        </p:spPr>
+        <p:txBody>
+          <a:bodyPr/>
+          <a:lstStyle/>
+          <a:p>
+            <a:r>
+              <a:rPr lang="en-US" dirty="0"/>
+              <a:t>Groupe 7</a:t>
+            </a:r>
+          </a:p>
+        </p:txBody>
+      </p:sp>
+    </p:spTree>
+    <p:extLst>
+      <p:ext uri="{BB962C8B-B14F-4D97-AF65-F5344CB8AC3E}">
+        <p14:creationId xmlns:p14="http://schemas.microsoft.com/office/powerpoint/2010/main" val="3819308541"/>
+      </p:ext>
+    </p:extLst>
+  </p:cSld>
+  <p:clrMapOvr>
+    <a:masterClrMapping/>
+  </p:clrMapOvr>
+</p:sld>
+</file>
+
+<file path=ppt/slides/slide15.xml><?xml version="1.0" encoding="utf-8"?>
+<p:sld xmlns:a="http://schemas.openxmlformats.org/drawingml/2006/main" xmlns:r="http://schemas.openxmlformats.org/officeDocument/2006/relationships" xmlns:p="http://schemas.openxmlformats.org/presentationml/2006/main">
+  <p:cSld>
+    <p:spTree>
+      <p:nvGrpSpPr>
+        <p:cNvPr id="1" name=""/>
+        <p:cNvGrpSpPr/>
+        <p:nvPr/>
+      </p:nvGrpSpPr>
+      <p:grpSpPr>
+        <a:xfrm>
+          <a:off x="0" y="0"/>
+          <a:ext cx="0" cy="0"/>
+          <a:chOff x="0" y="0"/>
+          <a:chExt cx="0" cy="0"/>
+        </a:xfrm>
+      </p:grpSpPr>
       <p:sp>
         <p:nvSpPr>
           <p:cNvPr id="22" name="Footer Placeholder 2"/>
@@ -13806,7 +14651,7 @@
         <p:spPr>
           <a:xfrm>
             <a:off x="834260" y="1692112"/>
-            <a:ext cx="10462846" cy="1569660"/>
+            <a:ext cx="10462846" cy="1531445"/>
           </a:xfrm>
           <a:prstGeom prst="rect">
             <a:avLst/>
@@ -13933,7 +14778,7 @@
                 <a:ea typeface="Segoe UI Semibold" panose="020B0702040204020203" pitchFamily="34" charset="0"/>
                 <a:cs typeface="Segoe UI" panose="020B0502040204020203" pitchFamily="34" charset="0"/>
               </a:rPr>
-              <a:t>, </a:t>
+              <a:t>,</a:t>
             </a:r>
           </a:p>
           <a:p>
@@ -14440,8 +15285,967 @@
 </p:sld>
 </file>
 
+<file path=ppt/slides/slide16.xml><?xml version="1.0" encoding="utf-8"?>
+<p:sld xmlns:a="http://schemas.openxmlformats.org/drawingml/2006/main" xmlns:r="http://schemas.openxmlformats.org/officeDocument/2006/relationships" xmlns:p="http://schemas.openxmlformats.org/presentationml/2006/main">
+  <p:cSld>
+    <p:spTree>
+      <p:nvGrpSpPr>
+        <p:cNvPr id="1" name=""/>
+        <p:cNvGrpSpPr/>
+        <p:nvPr/>
+      </p:nvGrpSpPr>
+      <p:grpSpPr>
+        <a:xfrm>
+          <a:off x="0" y="0"/>
+          <a:ext cx="0" cy="0"/>
+          <a:chOff x="0" y="0"/>
+          <a:chExt cx="0" cy="0"/>
+        </a:xfrm>
+      </p:grpSpPr>
+      <p:sp>
+        <p:nvSpPr>
+          <p:cNvPr id="4" name="Footer Placeholder 3">
+            <a:extLst>
+              <a:ext uri="{FF2B5EF4-FFF2-40B4-BE49-F238E27FC236}">
+                <a16:creationId xmlns:a16="http://schemas.microsoft.com/office/drawing/2014/main" id="{00CBE577-32E1-430C-9D11-39F5FB1CFF4E}"/>
+              </a:ext>
+            </a:extLst>
+          </p:cNvPr>
+          <p:cNvSpPr>
+            <a:spLocks noGrp="1"/>
+          </p:cNvSpPr>
+          <p:nvPr>
+            <p:ph type="ftr" sz="quarter" idx="11"/>
+          </p:nvPr>
+        </p:nvSpPr>
+        <p:spPr/>
+        <p:txBody>
+          <a:bodyPr/>
+          <a:lstStyle/>
+          <a:p>
+            <a:r>
+              <a:rPr lang="en-US"/>
+              <a:t>Groupe 7</a:t>
+            </a:r>
+          </a:p>
+        </p:txBody>
+      </p:sp>
+      <p:sp>
+        <p:nvSpPr>
+          <p:cNvPr id="8" name="Title 1">
+            <a:extLst>
+              <a:ext uri="{FF2B5EF4-FFF2-40B4-BE49-F238E27FC236}">
+                <a16:creationId xmlns:a16="http://schemas.microsoft.com/office/drawing/2014/main" id="{C4976C23-4728-4B30-A9B4-E13D1CBF71D4}"/>
+              </a:ext>
+            </a:extLst>
+          </p:cNvPr>
+          <p:cNvSpPr>
+            <a:spLocks noGrp="1"/>
+          </p:cNvSpPr>
+          <p:nvPr>
+            <p:ph type="title"/>
+          </p:nvPr>
+        </p:nvSpPr>
+        <p:spPr>
+          <a:xfrm>
+            <a:off x="834260" y="462455"/>
+            <a:ext cx="10515600" cy="629366"/>
+          </a:xfrm>
+        </p:spPr>
+        <p:txBody>
+          <a:bodyPr>
+            <a:normAutofit/>
+          </a:bodyPr>
+          <a:lstStyle/>
+          <a:p>
+            <a:pPr algn="ctr"/>
+            <a:r>
+              <a:rPr lang="fr-FR" sz="3200" b="1" u="sng" dirty="0">
+                <a:latin typeface="Calibri"/>
+                <a:cs typeface="Segoe UI Light"/>
+              </a:rPr>
+              <a:t>COMPTE RENDU DE LA REUNION DU 23 FEVRIER 2018</a:t>
+            </a:r>
+            <a:endParaRPr lang="en-US" sz="3200" dirty="0">
+              <a:latin typeface="Calibri"/>
+              <a:ea typeface="Segoe UI Light" panose="020B0702040204020203" pitchFamily="34" charset="0"/>
+              <a:cs typeface="Segoe UI Light"/>
+            </a:endParaRPr>
+          </a:p>
+        </p:txBody>
+      </p:sp>
+      <p:sp>
+        <p:nvSpPr>
+          <p:cNvPr id="11" name="Espace réservé du contenu 2">
+            <a:extLst>
+              <a:ext uri="{FF2B5EF4-FFF2-40B4-BE49-F238E27FC236}">
+                <a16:creationId xmlns:a16="http://schemas.microsoft.com/office/drawing/2014/main" id="{2F09E7A7-4BCC-4116-8D52-3760FB1DE652}"/>
+              </a:ext>
+            </a:extLst>
+          </p:cNvPr>
+          <p:cNvSpPr>
+            <a:spLocks noGrp="1"/>
+          </p:cNvSpPr>
+          <p:nvPr>
+            <p:ph idx="1"/>
+          </p:nvPr>
+        </p:nvSpPr>
+        <p:spPr>
+          <a:xfrm>
+            <a:off x="996351" y="1137107"/>
+            <a:ext cx="10501223" cy="5497757"/>
+          </a:xfrm>
+        </p:spPr>
+        <p:txBody>
+          <a:bodyPr>
+            <a:normAutofit/>
+          </a:bodyPr>
+          <a:lstStyle/>
+          <a:p>
+            <a:r>
+              <a:rPr lang="fr-FR" sz="1800" dirty="0">
+                <a:solidFill>
+                  <a:srgbClr val="00B0F0"/>
+                </a:solidFill>
+                <a:latin typeface="Calibri"/>
+                <a:cs typeface="Segoe UI Semilight"/>
+              </a:rPr>
+              <a:t>Cette deuxième réunion s'est tenue  le 23 février 2018 de 15h à 18h30 à la bibliothèque universitaire de tréfilerie.</a:t>
+            </a:r>
+          </a:p>
+          <a:p>
+            <a:r>
+              <a:rPr lang="fr-FR" sz="1800" b="1" u="sng" dirty="0">
+                <a:solidFill>
+                  <a:schemeClr val="tx1"/>
+                </a:solidFill>
+                <a:latin typeface="Calibri"/>
+                <a:cs typeface="Segoe UI Semilight"/>
+              </a:rPr>
+              <a:t>Liste des présents:</a:t>
+            </a:r>
+          </a:p>
+          <a:p>
+            <a:pPr marL="0" indent="0">
+              <a:buNone/>
+            </a:pPr>
+            <a:r>
+              <a:rPr lang="fr-FR" sz="1800" dirty="0">
+                <a:solidFill>
+                  <a:schemeClr val="tx1"/>
+                </a:solidFill>
+                <a:latin typeface="Calibri"/>
+                <a:cs typeface="Segoe UI Semilight"/>
+              </a:rPr>
+              <a:t>            Ibrahima DIALLO,  </a:t>
+            </a:r>
+            <a:r>
+              <a:rPr lang="fr-FR" sz="1800" dirty="0" err="1">
+                <a:solidFill>
+                  <a:schemeClr val="tx1"/>
+                </a:solidFill>
+                <a:latin typeface="Calibri"/>
+                <a:cs typeface="Segoe UI Semilight"/>
+              </a:rPr>
+              <a:t>Solofo</a:t>
+            </a:r>
+            <a:r>
+              <a:rPr lang="fr-FR" sz="1800" dirty="0">
+                <a:solidFill>
+                  <a:schemeClr val="tx1"/>
+                </a:solidFill>
+                <a:latin typeface="Calibri"/>
+                <a:cs typeface="Segoe UI Semilight"/>
+              </a:rPr>
+              <a:t> RABONARIJAONA, Christian OKOUERET ELENGA</a:t>
+            </a:r>
+            <a:endParaRPr lang="fr-FR" sz="1800" b="1" u="sng" dirty="0">
+              <a:solidFill>
+                <a:schemeClr val="tx1"/>
+              </a:solidFill>
+              <a:latin typeface="Calibri"/>
+              <a:cs typeface="Segoe UI Semilight"/>
+            </a:endParaRPr>
+          </a:p>
+          <a:p>
+            <a:r>
+              <a:rPr lang="fr-FR" sz="1800" b="1" u="sng" dirty="0">
+                <a:solidFill>
+                  <a:srgbClr val="FF0000"/>
+                </a:solidFill>
+                <a:latin typeface="Calibri"/>
+                <a:cs typeface="Segoe UI Semilight"/>
+              </a:rPr>
+              <a:t>Objectif de la réunion:</a:t>
+            </a:r>
+            <a:r>
+              <a:rPr lang="fr-FR" sz="1800" b="1" dirty="0">
+                <a:solidFill>
+                  <a:srgbClr val="FF0000"/>
+                </a:solidFill>
+                <a:latin typeface="Calibri"/>
+                <a:cs typeface="Segoe UI Semilight"/>
+              </a:rPr>
+              <a:t> </a:t>
+            </a:r>
+            <a:r>
+              <a:rPr lang="fr-FR" sz="1800" dirty="0">
+                <a:solidFill>
+                  <a:schemeClr val="tx1"/>
+                </a:solidFill>
+                <a:latin typeface="Calibri"/>
+                <a:cs typeface="Segoe UI Semilight"/>
+              </a:rPr>
+              <a:t>Architecture du système  et choix des technologies à utiliser</a:t>
+            </a:r>
+          </a:p>
+          <a:p>
+            <a:endParaRPr lang="fr-FR" sz="1800" dirty="0">
+              <a:solidFill>
+                <a:schemeClr val="tx1"/>
+              </a:solidFill>
+              <a:latin typeface="Calibri" panose="020F0502020204030204" pitchFamily="34" charset="0"/>
+            </a:endParaRPr>
+          </a:p>
+          <a:p>
+            <a:r>
+              <a:rPr lang="fr-FR" sz="1800" b="1" u="sng" dirty="0">
+                <a:solidFill>
+                  <a:srgbClr val="FF0000"/>
+                </a:solidFill>
+                <a:latin typeface="Calibri"/>
+                <a:cs typeface="Segoe UI Semilight"/>
+              </a:rPr>
+              <a:t>Architecture du jeu:</a:t>
+            </a:r>
+            <a:r>
+              <a:rPr lang="fr-FR" sz="1800" b="1" dirty="0">
+                <a:solidFill>
+                  <a:srgbClr val="FF0000"/>
+                </a:solidFill>
+                <a:latin typeface="Calibri"/>
+                <a:cs typeface="Segoe UI Semilight"/>
+              </a:rPr>
+              <a:t>  </a:t>
+            </a:r>
+            <a:r>
+              <a:rPr lang="fr-FR" sz="1800" dirty="0">
+                <a:solidFill>
+                  <a:schemeClr val="tx1"/>
+                </a:solidFill>
+                <a:latin typeface="Calibri"/>
+                <a:cs typeface="Segoe UI Semilight"/>
+              </a:rPr>
+              <a:t>Au cours de cette réunion nous avons mis en place une architecture du jeu, nous avons élaborer un diagramme du système pour  bien illustrer les idées afin de faciliter la compréhension de tout un chacun. </a:t>
+            </a:r>
+          </a:p>
+          <a:p>
+            <a:endParaRPr lang="fr-FR" sz="1800" dirty="0">
+              <a:solidFill>
+                <a:schemeClr val="tx1"/>
+              </a:solidFill>
+              <a:latin typeface="Calibri"/>
+              <a:cs typeface="Segoe UI Semilight"/>
+            </a:endParaRPr>
+          </a:p>
+          <a:p>
+            <a:r>
+              <a:rPr lang="fr-FR" sz="1800" b="1" u="sng" dirty="0">
+                <a:solidFill>
+                  <a:srgbClr val="FF0000"/>
+                </a:solidFill>
+                <a:latin typeface="Calibri"/>
+                <a:cs typeface="Segoe UI Semilight"/>
+              </a:rPr>
+              <a:t>Choix  des technologies à utiliser: </a:t>
+            </a:r>
+            <a:endParaRPr lang="fr-FR" sz="1800">
+              <a:solidFill>
+                <a:srgbClr val="FFFFFF"/>
+              </a:solidFill>
+              <a:latin typeface="Calibri"/>
+              <a:cs typeface="Segoe UI Semilight"/>
+            </a:endParaRPr>
+          </a:p>
+          <a:p>
+            <a:pPr marL="0" indent="0">
+              <a:buNone/>
+            </a:pPr>
+            <a:r>
+              <a:rPr lang="fr-FR" sz="1800" dirty="0">
+                <a:solidFill>
+                  <a:srgbClr val="FF0000"/>
+                </a:solidFill>
+                <a:latin typeface="Calibri"/>
+                <a:cs typeface="Segoe UI Semilight"/>
+              </a:rPr>
+              <a:t>       JavaScript: </a:t>
+            </a:r>
+            <a:r>
+              <a:rPr lang="fr-FR" sz="1800" dirty="0">
+                <a:solidFill>
+                  <a:schemeClr val="tx1"/>
+                </a:solidFill>
+                <a:latin typeface="Calibri"/>
+                <a:cs typeface="Segoe UI Semilight"/>
+              </a:rPr>
+              <a:t>le langage de programmation que nous allons utiliser pour coder le jeu</a:t>
+            </a:r>
+            <a:endParaRPr lang="fr-FR" sz="1800" b="1" u="sng" dirty="0">
+              <a:solidFill>
+                <a:schemeClr val="tx1"/>
+              </a:solidFill>
+              <a:latin typeface="Calibri"/>
+              <a:cs typeface="Segoe UI Semilight"/>
+            </a:endParaRPr>
+          </a:p>
+          <a:p>
+            <a:pPr marL="0" indent="0">
+              <a:buNone/>
+            </a:pPr>
+            <a:r>
+              <a:rPr lang="fr-FR" sz="1800" dirty="0">
+                <a:solidFill>
+                  <a:srgbClr val="FF0000"/>
+                </a:solidFill>
+                <a:latin typeface="Calibri"/>
+                <a:cs typeface="Segoe UI Semilight"/>
+              </a:rPr>
+              <a:t>       Phaser: </a:t>
+            </a:r>
+            <a:r>
+              <a:rPr lang="fr-FR" sz="1800" dirty="0">
+                <a:solidFill>
+                  <a:schemeClr val="tx1"/>
+                </a:solidFill>
+                <a:latin typeface="Calibri"/>
+                <a:cs typeface="Segoe UI Semilight"/>
+              </a:rPr>
+              <a:t>un </a:t>
+            </a:r>
+            <a:r>
+              <a:rPr lang="fr-FR" sz="1800" dirty="0" err="1">
+                <a:solidFill>
+                  <a:schemeClr val="tx1"/>
+                </a:solidFill>
+                <a:latin typeface="Calibri"/>
+                <a:cs typeface="Segoe UI Semilight"/>
+              </a:rPr>
+              <a:t>framework</a:t>
+            </a:r>
+            <a:r>
+              <a:rPr lang="fr-FR" sz="1800" dirty="0">
+                <a:solidFill>
+                  <a:schemeClr val="tx1"/>
+                </a:solidFill>
+                <a:latin typeface="Calibri"/>
+                <a:cs typeface="Segoe UI Semilight"/>
+              </a:rPr>
+              <a:t> de jeu gratuit en 2D pour créer des jeux HTML5 pour ordinateur et mobile</a:t>
+            </a:r>
+          </a:p>
+          <a:p>
+            <a:pPr marL="0" indent="0">
+              <a:buNone/>
+            </a:pPr>
+            <a:r>
+              <a:rPr lang="fr-FR" sz="1800" dirty="0">
+                <a:solidFill>
+                  <a:schemeClr val="tx1"/>
+                </a:solidFill>
+                <a:latin typeface="Calibri"/>
+                <a:cs typeface="Segoe UI Semilight"/>
+              </a:rPr>
+              <a:t>      </a:t>
+            </a:r>
+            <a:r>
+              <a:rPr lang="fr-FR" sz="1800" dirty="0">
+                <a:solidFill>
+                  <a:srgbClr val="FF0000"/>
+                </a:solidFill>
+                <a:latin typeface="Calibri"/>
+                <a:cs typeface="Segoe UI Semilight"/>
+              </a:rPr>
+              <a:t> Draw.io et Dia:</a:t>
+            </a:r>
+            <a:r>
+              <a:rPr lang="fr-FR" sz="1800" dirty="0">
+                <a:solidFill>
+                  <a:schemeClr val="tx1"/>
+                </a:solidFill>
+                <a:latin typeface="Calibri"/>
+                <a:cs typeface="Segoe UI Semilight"/>
+              </a:rPr>
+              <a:t> pour la conception les diagrammes</a:t>
+            </a:r>
+          </a:p>
+        </p:txBody>
+      </p:sp>
+    </p:spTree>
+    <p:extLst>
+      <p:ext uri="{BB962C8B-B14F-4D97-AF65-F5344CB8AC3E}">
+        <p14:creationId xmlns:p14="http://schemas.microsoft.com/office/powerpoint/2010/main" val="3247768502"/>
+      </p:ext>
+    </p:extLst>
+  </p:cSld>
+  <p:clrMapOvr>
+    <a:masterClrMapping/>
+  </p:clrMapOvr>
+</p:sld>
+</file>
+
+<file path=ppt/slides/slide17.xml><?xml version="1.0" encoding="utf-8"?>
+<p:sld xmlns:a="http://schemas.openxmlformats.org/drawingml/2006/main" xmlns:r="http://schemas.openxmlformats.org/officeDocument/2006/relationships" xmlns:p="http://schemas.openxmlformats.org/presentationml/2006/main">
+  <p:cSld>
+    <p:spTree>
+      <p:nvGrpSpPr>
+        <p:cNvPr id="1" name=""/>
+        <p:cNvGrpSpPr/>
+        <p:nvPr/>
+      </p:nvGrpSpPr>
+      <p:grpSpPr>
+        <a:xfrm>
+          <a:off x="0" y="0"/>
+          <a:ext cx="0" cy="0"/>
+          <a:chOff x="0" y="0"/>
+          <a:chExt cx="0" cy="0"/>
+        </a:xfrm>
+      </p:grpSpPr>
+      <p:sp>
+        <p:nvSpPr>
+          <p:cNvPr id="4" name="Footer Placeholder 3">
+            <a:extLst>
+              <a:ext uri="{FF2B5EF4-FFF2-40B4-BE49-F238E27FC236}">
+                <a16:creationId xmlns:a16="http://schemas.microsoft.com/office/drawing/2014/main" id="{00CBE577-32E1-430C-9D11-39F5FB1CFF4E}"/>
+              </a:ext>
+            </a:extLst>
+          </p:cNvPr>
+          <p:cNvSpPr>
+            <a:spLocks noGrp="1"/>
+          </p:cNvSpPr>
+          <p:nvPr>
+            <p:ph type="ftr" sz="quarter" idx="11"/>
+          </p:nvPr>
+        </p:nvSpPr>
+        <p:spPr/>
+        <p:txBody>
+          <a:bodyPr/>
+          <a:lstStyle/>
+          <a:p>
+            <a:r>
+              <a:rPr lang="en-US"/>
+              <a:t>Groupe 7</a:t>
+            </a:r>
+          </a:p>
+        </p:txBody>
+      </p:sp>
+      <p:sp>
+        <p:nvSpPr>
+          <p:cNvPr id="8" name="Title 1">
+            <a:extLst>
+              <a:ext uri="{FF2B5EF4-FFF2-40B4-BE49-F238E27FC236}">
+                <a16:creationId xmlns:a16="http://schemas.microsoft.com/office/drawing/2014/main" id="{C4976C23-4728-4B30-A9B4-E13D1CBF71D4}"/>
+              </a:ext>
+            </a:extLst>
+          </p:cNvPr>
+          <p:cNvSpPr>
+            <a:spLocks noGrp="1"/>
+          </p:cNvSpPr>
+          <p:nvPr>
+            <p:ph type="title"/>
+          </p:nvPr>
+        </p:nvSpPr>
+        <p:spPr>
+          <a:xfrm>
+            <a:off x="834260" y="462455"/>
+            <a:ext cx="10515600" cy="629366"/>
+          </a:xfrm>
+        </p:spPr>
+        <p:txBody>
+          <a:bodyPr>
+            <a:normAutofit/>
+          </a:bodyPr>
+          <a:lstStyle/>
+          <a:p>
+            <a:pPr algn="ctr"/>
+            <a:r>
+              <a:rPr lang="fr-FR" sz="3200" b="1" u="sng" dirty="0">
+                <a:latin typeface="Calibri"/>
+                <a:cs typeface="Segoe UI Light"/>
+              </a:rPr>
+              <a:t>COMPTE RENDU DE LA REUNION DU 24 FEVRIER 2018</a:t>
+            </a:r>
+            <a:endParaRPr lang="en-US" sz="3200" dirty="0">
+              <a:latin typeface="Calibri"/>
+              <a:ea typeface="Segoe UI Light" panose="020B0702040204020203" pitchFamily="34" charset="0"/>
+              <a:cs typeface="Segoe UI Light"/>
+            </a:endParaRPr>
+          </a:p>
+        </p:txBody>
+      </p:sp>
+      <p:sp>
+        <p:nvSpPr>
+          <p:cNvPr id="11" name="Espace réservé du contenu 2">
+            <a:extLst>
+              <a:ext uri="{FF2B5EF4-FFF2-40B4-BE49-F238E27FC236}">
+                <a16:creationId xmlns:a16="http://schemas.microsoft.com/office/drawing/2014/main" id="{2F09E7A7-4BCC-4116-8D52-3760FB1DE652}"/>
+              </a:ext>
+            </a:extLst>
+          </p:cNvPr>
+          <p:cNvSpPr>
+            <a:spLocks noGrp="1"/>
+          </p:cNvSpPr>
+          <p:nvPr>
+            <p:ph idx="1"/>
+          </p:nvPr>
+        </p:nvSpPr>
+        <p:spPr>
+          <a:xfrm>
+            <a:off x="838200" y="1295259"/>
+            <a:ext cx="11004430" cy="5497757"/>
+          </a:xfrm>
+        </p:spPr>
+        <p:txBody>
+          <a:bodyPr>
+            <a:normAutofit fontScale="92500" lnSpcReduction="10000"/>
+          </a:bodyPr>
+          <a:lstStyle/>
+          <a:p>
+            <a:r>
+              <a:rPr lang="fr-FR" sz="1800" dirty="0">
+                <a:solidFill>
+                  <a:srgbClr val="00B0F0"/>
+                </a:solidFill>
+                <a:latin typeface="Calibri"/>
+                <a:cs typeface="Segoe UI Semilight"/>
+              </a:rPr>
+              <a:t>Cette troisième réunion s'est tenue  le 24 février 2018 de 12h30 à 19h à la Résidence universitaire de la </a:t>
+            </a:r>
+            <a:r>
+              <a:rPr lang="fr-FR" sz="1800" dirty="0" err="1">
+                <a:solidFill>
+                  <a:srgbClr val="00B0F0"/>
+                </a:solidFill>
+                <a:latin typeface="Calibri"/>
+                <a:cs typeface="Segoe UI Semilight"/>
+              </a:rPr>
+              <a:t>Métare</a:t>
+            </a:r>
+            <a:r>
+              <a:rPr lang="fr-FR" sz="1800" dirty="0">
+                <a:solidFill>
+                  <a:srgbClr val="00B0F0"/>
+                </a:solidFill>
+                <a:latin typeface="Calibri"/>
+                <a:cs typeface="Segoe UI Semilight"/>
+              </a:rPr>
+              <a:t>.</a:t>
+            </a:r>
+            <a:endParaRPr lang="fr-FR" sz="1800">
+              <a:solidFill>
+                <a:srgbClr val="00B0F0"/>
+              </a:solidFill>
+              <a:latin typeface="Calibri"/>
+              <a:cs typeface="Segoe UI Semilight"/>
+            </a:endParaRPr>
+          </a:p>
+          <a:p>
+            <a:r>
+              <a:rPr lang="fr-FR" sz="1800" b="1" u="sng" dirty="0">
+                <a:solidFill>
+                  <a:schemeClr val="tx1"/>
+                </a:solidFill>
+                <a:latin typeface="Calibri"/>
+                <a:cs typeface="Segoe UI Semilight"/>
+              </a:rPr>
+              <a:t>Liste des présents:</a:t>
+            </a:r>
+            <a:endParaRPr lang="fr-FR" sz="1800" b="1" u="sng">
+              <a:solidFill>
+                <a:schemeClr val="tx1"/>
+              </a:solidFill>
+              <a:latin typeface="Calibri"/>
+              <a:cs typeface="Segoe UI Semilight"/>
+            </a:endParaRPr>
+          </a:p>
+          <a:p>
+            <a:pPr marL="0" indent="0">
+              <a:buNone/>
+            </a:pPr>
+            <a:r>
+              <a:rPr lang="fr-FR" sz="1800" dirty="0">
+                <a:solidFill>
+                  <a:schemeClr val="tx1"/>
+                </a:solidFill>
+                <a:latin typeface="Calibri"/>
+                <a:cs typeface="Segoe UI Semilight"/>
+              </a:rPr>
+              <a:t>            Ibrahima DIALLO,  </a:t>
+            </a:r>
+            <a:r>
+              <a:rPr lang="fr-FR" sz="1800" dirty="0" err="1">
+                <a:solidFill>
+                  <a:schemeClr val="tx1"/>
+                </a:solidFill>
+                <a:latin typeface="Calibri"/>
+                <a:cs typeface="Segoe UI Semilight"/>
+              </a:rPr>
+              <a:t>Solofo</a:t>
+            </a:r>
+            <a:r>
+              <a:rPr lang="fr-FR" sz="1800" dirty="0">
+                <a:solidFill>
+                  <a:schemeClr val="tx1"/>
+                </a:solidFill>
+                <a:latin typeface="Calibri"/>
+                <a:cs typeface="Segoe UI Semilight"/>
+              </a:rPr>
+              <a:t> RABONARIJAONA, Christian OKOUERET ELENGA, Morad BENKARAACHE</a:t>
+            </a:r>
+            <a:endParaRPr lang="fr-FR" sz="1800" b="1" u="sng" dirty="0">
+              <a:solidFill>
+                <a:schemeClr val="tx1"/>
+              </a:solidFill>
+              <a:latin typeface="Calibri"/>
+              <a:cs typeface="Segoe UI Semilight"/>
+            </a:endParaRPr>
+          </a:p>
+          <a:p>
+            <a:r>
+              <a:rPr lang="fr-FR" sz="1800" b="1" u="sng" dirty="0">
+                <a:solidFill>
+                  <a:srgbClr val="FF0000"/>
+                </a:solidFill>
+                <a:latin typeface="Calibri"/>
+                <a:cs typeface="Segoe UI Semilight"/>
+              </a:rPr>
+              <a:t>Objectif de la réunion:</a:t>
+            </a:r>
+            <a:r>
+              <a:rPr lang="fr-FR" sz="1800" b="1" dirty="0">
+                <a:solidFill>
+                  <a:srgbClr val="FF0000"/>
+                </a:solidFill>
+                <a:latin typeface="Calibri"/>
+                <a:cs typeface="Segoe UI Semilight"/>
+              </a:rPr>
+              <a:t> </a:t>
+            </a:r>
+            <a:endParaRPr lang="fr-FR" sz="1800" b="1">
+              <a:solidFill>
+                <a:srgbClr val="FF0000"/>
+              </a:solidFill>
+              <a:latin typeface="Calibri"/>
+              <a:cs typeface="Segoe UI Semilight"/>
+            </a:endParaRPr>
+          </a:p>
+          <a:p>
+            <a:pPr marL="0" indent="0">
+              <a:buNone/>
+            </a:pPr>
+            <a:r>
+              <a:rPr lang="fr-FR" sz="1800" b="1" dirty="0">
+                <a:solidFill>
+                  <a:srgbClr val="FF0000"/>
+                </a:solidFill>
+                <a:latin typeface="Calibri"/>
+                <a:cs typeface="Segoe UI Semilight"/>
+              </a:rPr>
+              <a:t>                 </a:t>
+            </a:r>
+            <a:r>
+              <a:rPr lang="fr-FR" sz="1800" dirty="0">
+                <a:solidFill>
+                  <a:schemeClr val="tx1"/>
+                </a:solidFill>
+                <a:latin typeface="Calibri"/>
+                <a:cs typeface="Calibri"/>
+              </a:rPr>
+              <a:t>Formation GIT et GITHUB</a:t>
+            </a:r>
+            <a:endParaRPr lang="fr-FR" sz="1800">
+              <a:solidFill>
+                <a:schemeClr val="tx1"/>
+              </a:solidFill>
+            </a:endParaRPr>
+          </a:p>
+          <a:p>
+            <a:pPr marL="0" indent="0">
+              <a:buNone/>
+            </a:pPr>
+            <a:r>
+              <a:rPr lang="fr-FR" sz="1800" dirty="0">
+                <a:solidFill>
+                  <a:schemeClr val="tx1"/>
+                </a:solidFill>
+                <a:latin typeface="Calibri"/>
+                <a:cs typeface="Segoe UI Semilight"/>
+              </a:rPr>
+              <a:t>                      Diagramme UML du jeu </a:t>
+            </a:r>
+            <a:endParaRPr lang="fr-FR" sz="1800">
+              <a:solidFill>
+                <a:schemeClr val="tx1"/>
+              </a:solidFill>
+            </a:endParaRPr>
+          </a:p>
+          <a:p>
+            <a:pPr marL="0" indent="0">
+              <a:buNone/>
+            </a:pPr>
+            <a:r>
+              <a:rPr lang="fr-FR" sz="1800" dirty="0">
+                <a:solidFill>
+                  <a:schemeClr val="tx1"/>
+                </a:solidFill>
+                <a:latin typeface="Calibri"/>
+                <a:cs typeface="Segoe UI Semilight"/>
+              </a:rPr>
+              <a:t>                      Partage des tâches (développement du jeu pour la version 1.0.0)</a:t>
+            </a:r>
+            <a:endParaRPr lang="fr-FR" sz="1800">
+              <a:solidFill>
+                <a:schemeClr val="tx1"/>
+              </a:solidFill>
+            </a:endParaRPr>
+          </a:p>
+          <a:p>
+            <a:pPr marL="0" indent="0">
+              <a:buNone/>
+            </a:pPr>
+            <a:r>
+              <a:rPr lang="fr-FR" sz="1800" dirty="0">
+                <a:solidFill>
+                  <a:schemeClr val="tx1"/>
+                </a:solidFill>
+                <a:latin typeface="Calibri"/>
+                <a:cs typeface="Segoe UI Semilight"/>
+              </a:rPr>
+              <a:t>                      </a:t>
+            </a:r>
+            <a:endParaRPr lang="fr-FR" sz="1800">
+              <a:solidFill>
+                <a:schemeClr val="tx1"/>
+              </a:solidFill>
+              <a:latin typeface="Calibri"/>
+              <a:cs typeface="Segoe UI Semilight"/>
+            </a:endParaRPr>
+          </a:p>
+          <a:p>
+            <a:r>
+              <a:rPr lang="fr-FR" sz="1800" b="1" u="sng" dirty="0">
+                <a:solidFill>
+                  <a:srgbClr val="FF0000"/>
+                </a:solidFill>
+                <a:latin typeface="Calibri"/>
+                <a:cs typeface="Segoe UI Semilight"/>
+              </a:rPr>
+              <a:t>Formation GIT et GITHUB:</a:t>
+            </a:r>
+            <a:r>
+              <a:rPr lang="fr-FR" sz="1800" b="1" dirty="0">
+                <a:solidFill>
+                  <a:srgbClr val="FF0000"/>
+                </a:solidFill>
+                <a:latin typeface="Calibri"/>
+                <a:cs typeface="Segoe UI Semilight"/>
+              </a:rPr>
+              <a:t>  </a:t>
+            </a:r>
+            <a:r>
+              <a:rPr lang="fr-FR" sz="1800" dirty="0">
+                <a:solidFill>
+                  <a:schemeClr val="tx1"/>
+                </a:solidFill>
+                <a:latin typeface="Calibri"/>
+                <a:cs typeface="Segoe UI Semilight"/>
+              </a:rPr>
+              <a:t>Cette formation a été effectuée par </a:t>
+            </a:r>
+            <a:r>
+              <a:rPr lang="fr-FR" sz="1800" dirty="0" err="1">
+                <a:solidFill>
+                  <a:schemeClr val="tx1"/>
+                </a:solidFill>
+                <a:latin typeface="Calibri"/>
+                <a:cs typeface="Segoe UI Semilight"/>
+              </a:rPr>
+              <a:t>Solofo</a:t>
+            </a:r>
+            <a:r>
+              <a:rPr lang="fr-FR" sz="1800" dirty="0">
+                <a:solidFill>
+                  <a:schemeClr val="tx1"/>
+                </a:solidFill>
+                <a:latin typeface="Calibri"/>
+                <a:cs typeface="Segoe UI Semilight"/>
+              </a:rPr>
+              <a:t> RABONARIJAONA en faveur des membres du groupe qui étaient présents, elle était nécessaire pour la bonne conduite du projet. </a:t>
+            </a:r>
+            <a:endParaRPr lang="fr-FR" sz="1800">
+              <a:solidFill>
+                <a:schemeClr val="tx1"/>
+              </a:solidFill>
+              <a:latin typeface="Calibri"/>
+              <a:cs typeface="Segoe UI Semilight"/>
+            </a:endParaRPr>
+          </a:p>
+          <a:p>
+            <a:r>
+              <a:rPr lang="fr-FR" sz="1800" b="1" u="sng" dirty="0">
+                <a:solidFill>
+                  <a:srgbClr val="FF0000"/>
+                </a:solidFill>
+                <a:latin typeface="Calibri"/>
+                <a:cs typeface="Segoe UI Semilight"/>
+              </a:rPr>
+              <a:t>Diagramme UML:</a:t>
+            </a:r>
+            <a:r>
+              <a:rPr lang="fr-FR" sz="1800" b="1" dirty="0">
+                <a:solidFill>
+                  <a:srgbClr val="FF0000"/>
+                </a:solidFill>
+                <a:latin typeface="Calibri"/>
+                <a:cs typeface="Segoe UI Semilight"/>
+              </a:rPr>
+              <a:t> </a:t>
+            </a:r>
+            <a:r>
+              <a:rPr lang="fr-FR" sz="1800" dirty="0">
+                <a:solidFill>
+                  <a:schemeClr val="tx1"/>
+                </a:solidFill>
+                <a:latin typeface="Calibri"/>
+                <a:cs typeface="Segoe UI Semilight"/>
+              </a:rPr>
+              <a:t>Un diagramme UML du jeu a été conçu, chaque membre du groupe doit se référer de ce diagramme pour développer.   Le lien ==</a:t>
+            </a:r>
+            <a:r>
+              <a:rPr lang="fr-FR" sz="1800" dirty="0">
+                <a:solidFill>
+                  <a:schemeClr val="tx1"/>
+                </a:solidFill>
+                <a:latin typeface="Calibri"/>
+                <a:cs typeface="Calibri"/>
+              </a:rPr>
+              <a:t>&gt;  </a:t>
+            </a:r>
+            <a:r>
+              <a:rPr lang="fr-FR" sz="1800" dirty="0">
+                <a:solidFill>
+                  <a:schemeClr val="accent4"/>
+                </a:solidFill>
+                <a:latin typeface="Calibri"/>
+                <a:cs typeface="Calibri"/>
+              </a:rPr>
+              <a:t>https://github.com/Enjana-mavitrika/projet-tutore2019/blob/master/diagramme_uml_iteration_1.png</a:t>
+            </a:r>
+            <a:endParaRPr lang="fr-FR" sz="1800" b="1" u="sng" dirty="0">
+              <a:solidFill>
+                <a:schemeClr val="accent4"/>
+              </a:solidFill>
+              <a:latin typeface="Calibri"/>
+              <a:cs typeface="Segoe UI Semilight"/>
+            </a:endParaRPr>
+          </a:p>
+          <a:p>
+            <a:r>
+              <a:rPr lang="fr-FR" sz="1800" b="1" u="sng" dirty="0">
+                <a:solidFill>
+                  <a:srgbClr val="FF0000"/>
+                </a:solidFill>
+                <a:latin typeface="Calibri"/>
+                <a:cs typeface="Calibri"/>
+              </a:rPr>
+              <a:t>Partage des tâches:</a:t>
+            </a:r>
+            <a:r>
+              <a:rPr lang="fr-FR" sz="1800" dirty="0">
+                <a:solidFill>
+                  <a:schemeClr val="accent4"/>
+                </a:solidFill>
+                <a:latin typeface="Calibri"/>
+                <a:cs typeface="Calibri"/>
+              </a:rPr>
+              <a:t>  </a:t>
+            </a:r>
+            <a:r>
+              <a:rPr lang="fr-FR" sz="1800" dirty="0">
+                <a:solidFill>
+                  <a:schemeClr val="tx1"/>
+                </a:solidFill>
+                <a:latin typeface="Calibri"/>
+                <a:cs typeface="Calibri"/>
+              </a:rPr>
+              <a:t>Le travail de développement de la version 1.0.0 a été partagé entre les membres du groupe.  ==&gt;  </a:t>
+            </a:r>
+            <a:r>
+              <a:rPr lang="fr-FR" sz="1800" dirty="0">
+                <a:solidFill>
+                  <a:schemeClr val="accent4"/>
+                </a:solidFill>
+                <a:latin typeface="Calibri"/>
+                <a:cs typeface="Calibri"/>
+              </a:rPr>
+              <a:t>https://github.com/Enjana-mavitrika/projet-tutore2019/projects/2</a:t>
+            </a:r>
+            <a:br>
+              <a:rPr lang="fr-FR" sz="1800" dirty="0">
+                <a:solidFill>
+                  <a:schemeClr val="tx1"/>
+                </a:solidFill>
+                <a:latin typeface="Calibri"/>
+                <a:cs typeface="Calibri"/>
+              </a:rPr>
+            </a:br>
+            <a:endParaRPr lang="fr-FR" sz="1800" dirty="0">
+              <a:solidFill>
+                <a:schemeClr val="tx1"/>
+              </a:solidFill>
+              <a:latin typeface="Calibri"/>
+              <a:cs typeface="Calibri"/>
+            </a:endParaRPr>
+          </a:p>
+          <a:p>
+            <a:pPr marL="0" indent="0">
+              <a:buNone/>
+            </a:pPr>
+            <a:r>
+              <a:rPr lang="fr-FR" sz="1800" dirty="0">
+                <a:solidFill>
+                  <a:srgbClr val="FF0000"/>
+                </a:solidFill>
+                <a:latin typeface="Calibri"/>
+                <a:cs typeface="Segoe UI Semilight"/>
+              </a:rPr>
+              <a:t>       </a:t>
+            </a:r>
+            <a:endParaRPr lang="fr-FR" sz="1800" dirty="0">
+              <a:solidFill>
+                <a:schemeClr val="tx1"/>
+              </a:solidFill>
+              <a:latin typeface="Calibri"/>
+              <a:cs typeface="Segoe UI Semilight"/>
+            </a:endParaRPr>
+          </a:p>
+        </p:txBody>
+      </p:sp>
+    </p:spTree>
+    <p:extLst>
+      <p:ext uri="{BB962C8B-B14F-4D97-AF65-F5344CB8AC3E}">
+        <p14:creationId xmlns:p14="http://schemas.microsoft.com/office/powerpoint/2010/main" val="4145661839"/>
+      </p:ext>
+    </p:extLst>
+  </p:cSld>
+  <p:clrMapOvr>
+    <a:masterClrMapping/>
+  </p:clrMapOvr>
+</p:sld>
+</file>
+
 <file path=ppt/slides/slide2.xml><?xml version="1.0" encoding="utf-8"?>
-<p:sld xmlns:a="http://schemas.openxmlformats.org/drawingml/2006/main" xmlns:r="http://schemas.openxmlformats.org/officeDocument/2006/relationships" xmlns:p="http://schemas.openxmlformats.org/presentationml/2006/main" show="0">
+<p:sld xmlns:a="http://schemas.openxmlformats.org/drawingml/2006/main" xmlns:r="http://schemas.openxmlformats.org/officeDocument/2006/relationships" xmlns:p="http://schemas.openxmlformats.org/presentationml/2006/main">
   <p:cSld>
     <p:spTree>
       <p:nvGrpSpPr>
@@ -15667,7 +17471,35 @@
                 <a:ea typeface="Segoe UI" panose="020B0502040204020203" pitchFamily="34" charset="0"/>
                 <a:cs typeface="Segoe UI Semilight"/>
               </a:rPr>
-              <a:t> à traverser tout les POPBOX et les POP BOX </a:t>
+              <a:t> à traverser </a:t>
+            </a:r>
+            <a:r>
+              <a:rPr lang="en-US" dirty="0" err="1">
+                <a:solidFill>
+                  <a:schemeClr val="tx1">
+                    <a:lumMod val="65000"/>
+                    <a:lumOff val="35000"/>
+                  </a:schemeClr>
+                </a:solidFill>
+                <a:latin typeface="Calibri" panose="020F0502020204030204" pitchFamily="34" charset="0"/>
+                <a:ea typeface="Segoe UI" panose="020B0502040204020203" pitchFamily="34" charset="0"/>
+                <a:cs typeface="Segoe UI Semilight"/>
+              </a:rPr>
+              <a:t>tous</a:t>
+            </a:r>
+            <a:r>
+              <a:rPr lang="en-US" dirty="0">
+                <a:solidFill>
+                  <a:schemeClr val="tx1">
+                    <a:lumMod val="65000"/>
+                    <a:lumOff val="35000"/>
+                  </a:schemeClr>
+                </a:solidFill>
+                <a:latin typeface="Calibri" panose="020F0502020204030204" pitchFamily="34" charset="0"/>
+                <a:ea typeface="Segoe UI" panose="020B0502040204020203" pitchFamily="34" charset="0"/>
+                <a:cs typeface="Segoe UI Semilight"/>
+              </a:rPr>
+              <a:t> les POPBOX et les POP BOX </a:t>
             </a:r>
             <a:r>
               <a:rPr lang="en-US" dirty="0" err="1">
@@ -16887,7 +18719,7 @@
 </file>
 
 <file path=ppt/slides/slide3.xml><?xml version="1.0" encoding="utf-8"?>
-<p:sld xmlns:a="http://schemas.openxmlformats.org/drawingml/2006/main" xmlns:r="http://schemas.openxmlformats.org/officeDocument/2006/relationships" xmlns:p="http://schemas.openxmlformats.org/presentationml/2006/main" show="0">
+<p:sld xmlns:a="http://schemas.openxmlformats.org/drawingml/2006/main" xmlns:r="http://schemas.openxmlformats.org/officeDocument/2006/relationships" xmlns:p="http://schemas.openxmlformats.org/presentationml/2006/main">
   <p:cSld>
     <p:spTree>
       <p:nvGrpSpPr>
@@ -17110,7 +18942,7 @@
 </file>
 
 <file path=ppt/slides/slide4.xml><?xml version="1.0" encoding="utf-8"?>
-<p:sld xmlns:a="http://schemas.openxmlformats.org/drawingml/2006/main" xmlns:r="http://schemas.openxmlformats.org/officeDocument/2006/relationships" xmlns:p="http://schemas.openxmlformats.org/presentationml/2006/main" show="0">
+<p:sld xmlns:a="http://schemas.openxmlformats.org/drawingml/2006/main" xmlns:r="http://schemas.openxmlformats.org/officeDocument/2006/relationships" xmlns:p="http://schemas.openxmlformats.org/presentationml/2006/main">
   <p:cSld>
     <p:spTree>
       <p:nvGrpSpPr>
@@ -17333,7 +19165,7 @@
 </file>
 
 <file path=ppt/slides/slide5.xml><?xml version="1.0" encoding="utf-8"?>
-<p:sld xmlns:a="http://schemas.openxmlformats.org/drawingml/2006/main" xmlns:r="http://schemas.openxmlformats.org/officeDocument/2006/relationships" xmlns:p="http://schemas.openxmlformats.org/presentationml/2006/main" show="0">
+<p:sld xmlns:a="http://schemas.openxmlformats.org/drawingml/2006/main" xmlns:r="http://schemas.openxmlformats.org/officeDocument/2006/relationships" xmlns:p="http://schemas.openxmlformats.org/presentationml/2006/main">
   <p:cSld>
     <p:spTree>
       <p:nvGrpSpPr>
@@ -17592,7 +19424,7 @@
 </file>
 
 <file path=ppt/slides/slide6.xml><?xml version="1.0" encoding="utf-8"?>
-<p:sld xmlns:a="http://schemas.openxmlformats.org/drawingml/2006/main" xmlns:r="http://schemas.openxmlformats.org/officeDocument/2006/relationships" xmlns:p="http://schemas.openxmlformats.org/presentationml/2006/main" show="0">
+<p:sld xmlns:a="http://schemas.openxmlformats.org/drawingml/2006/main" xmlns:r="http://schemas.openxmlformats.org/officeDocument/2006/relationships" xmlns:p="http://schemas.openxmlformats.org/presentationml/2006/main">
   <p:cSld>
     <p:spTree>
       <p:nvGrpSpPr>
@@ -17857,7 +19689,7 @@
 </file>
 
 <file path=ppt/slides/slide7.xml><?xml version="1.0" encoding="utf-8"?>
-<p:sld xmlns:a="http://schemas.openxmlformats.org/drawingml/2006/main" xmlns:r="http://schemas.openxmlformats.org/officeDocument/2006/relationships" xmlns:p="http://schemas.openxmlformats.org/presentationml/2006/main" show="0">
+<p:sld xmlns:a="http://schemas.openxmlformats.org/drawingml/2006/main" xmlns:r="http://schemas.openxmlformats.org/officeDocument/2006/relationships" xmlns:p="http://schemas.openxmlformats.org/presentationml/2006/main">
   <p:cSld>
     <p:spTree>
       <p:nvGrpSpPr>
@@ -18155,7 +19987,7 @@
 </file>
 
 <file path=ppt/slides/slide8.xml><?xml version="1.0" encoding="utf-8"?>
-<p:sld xmlns:a="http://schemas.openxmlformats.org/drawingml/2006/main" xmlns:r="http://schemas.openxmlformats.org/officeDocument/2006/relationships" xmlns:p="http://schemas.openxmlformats.org/presentationml/2006/main" show="0">
+<p:sld xmlns:a="http://schemas.openxmlformats.org/drawingml/2006/main" xmlns:r="http://schemas.openxmlformats.org/officeDocument/2006/relationships" xmlns:p="http://schemas.openxmlformats.org/presentationml/2006/main">
   <p:cSld>
     <p:spTree>
       <p:nvGrpSpPr>
@@ -18735,7 +20567,7 @@
 </file>
 
 <file path=ppt/slides/slide9.xml><?xml version="1.0" encoding="utf-8"?>
-<p:sld xmlns:a="http://schemas.openxmlformats.org/drawingml/2006/main" xmlns:r="http://schemas.openxmlformats.org/officeDocument/2006/relationships" xmlns:p="http://schemas.openxmlformats.org/presentationml/2006/main" show="0">
+<p:sld xmlns:a="http://schemas.openxmlformats.org/drawingml/2006/main" xmlns:r="http://schemas.openxmlformats.org/officeDocument/2006/relationships" xmlns:p="http://schemas.openxmlformats.org/presentationml/2006/main">
   <p:cSld>
     <p:spTree>
       <p:nvGrpSpPr>
